--- a/spring13/slides13/counting.pptx
+++ b/spring13/slides13/counting.pptx
@@ -3475,6 +3475,10 @@
           </p:nvPr>
         </p:nvSpPr>
         <p:spPr>
+          <a:xfrm>
+            <a:off x="7620000" y="6597650"/>
+            <a:ext cx="1524000" cy="276999"/>
+          </a:xfrm>
           <a:ln/>
         </p:spPr>
         <p:txBody>
@@ -3490,11 +3494,11 @@
             </a:pPr>
             <a:r>
               <a:rPr lang="en-US" dirty="0" err="1" smtClean="0"/>
-              <a:t>lec</a:t>
+              <a:t>bijectcount</a:t>
             </a:r>
             <a:r>
               <a:rPr lang="en-US" dirty="0" smtClean="0"/>
-              <a:t> 10W.</a:t>
+              <a:t>.</a:t>
             </a:r>
             <a:fld id="{59D30190-4BB1-492F-A407-3062FE93FA34}" type="slidenum">
               <a:rPr lang="en-US" smtClean="0"/>
@@ -3512,13 +3516,13 @@
   <p:clrMapOvr>
     <a:masterClrMapping/>
   </p:clrMapOvr>
-  <mc:AlternateContent xmlns:mc="http://schemas.openxmlformats.org/markup-compatibility/2006">
-    <mc:Choice xmlns:p14="http://schemas.microsoft.com/office/powerpoint/2010/main" Requires="p14">
+  <mc:AlternateContent xmlns:mc="http://schemas.openxmlformats.org/markup-compatibility/2006" xmlns:p14="http://schemas.microsoft.com/office/powerpoint/2010/main">
+    <mc:Choice Requires="p14">
       <p:transition spd="slow" p14:dur="900" advClick="0">
         <p:fade/>
       </p:transition>
     </mc:Choice>
-    <mc:Fallback>
+    <mc:Fallback xmlns="">
       <p:transition xmlns:p14="http://schemas.microsoft.com/office/powerpoint/2010/main" spd="slow" advClick="0">
         <p:fade/>
       </p:transition>
@@ -3637,6 +3641,10 @@
           </p:nvPr>
         </p:nvSpPr>
         <p:spPr>
+          <a:xfrm>
+            <a:off x="7620000" y="6597650"/>
+            <a:ext cx="1524000" cy="276999"/>
+          </a:xfrm>
           <a:ln/>
         </p:spPr>
         <p:txBody>
@@ -3652,11 +3660,11 @@
             </a:pPr>
             <a:r>
               <a:rPr lang="en-US" dirty="0" err="1" smtClean="0"/>
-              <a:t>lec</a:t>
+              <a:t>bijectcount</a:t>
             </a:r>
             <a:r>
               <a:rPr lang="en-US" dirty="0" smtClean="0"/>
-              <a:t> 10W.</a:t>
+              <a:t>.</a:t>
             </a:r>
             <a:fld id="{98B0E1D1-22E3-4CC1-B6FA-DF55DA8E78AC}" type="slidenum">
               <a:rPr lang="en-US" smtClean="0"/>
@@ -3674,13 +3682,13 @@
   <p:clrMapOvr>
     <a:masterClrMapping/>
   </p:clrMapOvr>
-  <mc:AlternateContent xmlns:mc="http://schemas.openxmlformats.org/markup-compatibility/2006">
-    <mc:Choice xmlns:p14="http://schemas.microsoft.com/office/powerpoint/2010/main" Requires="p14">
+  <mc:AlternateContent xmlns:mc="http://schemas.openxmlformats.org/markup-compatibility/2006" xmlns:p14="http://schemas.microsoft.com/office/powerpoint/2010/main">
+    <mc:Choice Requires="p14">
       <p:transition spd="slow" p14:dur="900" advClick="0">
         <p:fade/>
       </p:transition>
     </mc:Choice>
-    <mc:Fallback>
+    <mc:Fallback xmlns="">
       <p:transition xmlns:p14="http://schemas.microsoft.com/office/powerpoint/2010/main" spd="slow" advClick="0">
         <p:fade/>
       </p:transition>
@@ -3747,6 +3755,10 @@
           </p:nvPr>
         </p:nvSpPr>
         <p:spPr>
+          <a:xfrm>
+            <a:off x="7620000" y="6597650"/>
+            <a:ext cx="1524000" cy="276999"/>
+          </a:xfrm>
           <a:ln/>
         </p:spPr>
         <p:txBody>
@@ -3762,11 +3774,11 @@
             </a:pPr>
             <a:r>
               <a:rPr lang="en-US" dirty="0" err="1" smtClean="0"/>
-              <a:t>lec</a:t>
+              <a:t>bijectcount</a:t>
             </a:r>
             <a:r>
               <a:rPr lang="en-US" dirty="0" smtClean="0"/>
-              <a:t> 10W.</a:t>
+              <a:t>.</a:t>
             </a:r>
             <a:fld id="{830A9B50-708D-4A44-9DE6-5809C42CA602}" type="slidenum">
               <a:rPr lang="en-US" smtClean="0"/>
@@ -3784,13 +3796,13 @@
   <p:clrMapOvr>
     <a:masterClrMapping/>
   </p:clrMapOvr>
-  <mc:AlternateContent xmlns:mc="http://schemas.openxmlformats.org/markup-compatibility/2006">
-    <mc:Choice xmlns:p14="http://schemas.microsoft.com/office/powerpoint/2010/main" Requires="p14">
+  <mc:AlternateContent xmlns:mc="http://schemas.openxmlformats.org/markup-compatibility/2006" xmlns:p14="http://schemas.microsoft.com/office/powerpoint/2010/main">
+    <mc:Choice Requires="p14">
       <p:transition spd="slow" p14:dur="900" advClick="0">
         <p:fade/>
       </p:transition>
     </mc:Choice>
-    <mc:Fallback>
+    <mc:Fallback xmlns="">
       <p:transition xmlns:p14="http://schemas.microsoft.com/office/powerpoint/2010/main" spd="slow" advClick="0">
         <p:fade/>
       </p:transition>
@@ -3834,6 +3846,10 @@
           </p:nvPr>
         </p:nvSpPr>
         <p:spPr>
+          <a:xfrm>
+            <a:off x="7620000" y="6597650"/>
+            <a:ext cx="1524000" cy="276999"/>
+          </a:xfrm>
           <a:ln/>
         </p:spPr>
         <p:txBody>
@@ -3849,11 +3865,11 @@
             </a:pPr>
             <a:r>
               <a:rPr lang="en-US" dirty="0" err="1" smtClean="0"/>
-              <a:t>lec</a:t>
+              <a:t>bijectcount</a:t>
             </a:r>
             <a:r>
               <a:rPr lang="en-US" dirty="0" smtClean="0"/>
-              <a:t> 10W.</a:t>
+              <a:t>.</a:t>
             </a:r>
             <a:fld id="{28A8D130-5471-470D-8B41-5C7B9362E373}" type="slidenum">
               <a:rPr lang="en-US" smtClean="0"/>
@@ -3871,13 +3887,13 @@
   <p:clrMapOvr>
     <a:masterClrMapping/>
   </p:clrMapOvr>
-  <mc:AlternateContent xmlns:mc="http://schemas.openxmlformats.org/markup-compatibility/2006">
-    <mc:Choice xmlns:p14="http://schemas.microsoft.com/office/powerpoint/2010/main" Requires="p14">
+  <mc:AlternateContent xmlns:mc="http://schemas.openxmlformats.org/markup-compatibility/2006" xmlns:p14="http://schemas.microsoft.com/office/powerpoint/2010/main">
+    <mc:Choice Requires="p14">
       <p:transition spd="slow" p14:dur="900" advClick="0">
         <p:fade/>
       </p:transition>
     </mc:Choice>
-    <mc:Fallback>
+    <mc:Fallback xmlns="">
       <p:transition xmlns:p14="http://schemas.microsoft.com/office/powerpoint/2010/main" spd="slow" advClick="0">
         <p:fade/>
       </p:transition>
@@ -4043,7 +4059,7 @@
         <p:spPr bwMode="auto">
           <a:xfrm>
             <a:off x="7620000" y="6597650"/>
-            <a:ext cx="1524000" cy="274638"/>
+            <a:ext cx="1524000" cy="276999"/>
           </a:xfrm>
           <a:prstGeom prst="rect">
             <a:avLst/>
@@ -4079,8 +4095,12 @@
               <a:defRPr/>
             </a:pPr>
             <a:r>
+              <a:rPr lang="en-US" dirty="0" err="1" smtClean="0"/>
+              <a:t>bijectcount</a:t>
+            </a:r>
+            <a:r>
               <a:rPr lang="en-US" dirty="0" smtClean="0"/>
-              <a:t>counting.</a:t>
+              <a:t>.</a:t>
             </a:r>
             <a:fld id="{69D5B163-A3FA-4490-BF47-D2D4336659F3}" type="slidenum">
               <a:rPr lang="en-US" smtClean="0"/>
@@ -4176,22 +4196,7 @@
                 <a:uFillTx/>
                 <a:latin typeface="Comic Sans MS" pitchFamily="66" charset="0"/>
               </a:rPr>
-              <a:t>Albert R Meyer,           April </a:t>
-            </a:r>
-            <a:r>
-              <a:rPr kumimoji="0" lang="en-US" sz="1200" b="0" i="0" u="none" strike="noStrike" kern="1200" cap="none" spc="0" normalizeH="0" baseline="0" noProof="0" dirty="0" smtClean="0">
-                <a:ln>
-                  <a:noFill/>
-                </a:ln>
-                <a:solidFill>
-                  <a:schemeClr val="tx1"/>
-                </a:solidFill>
-                <a:effectLst/>
-                <a:uLnTx/>
-                <a:uFillTx/>
-                <a:latin typeface="Comic Sans MS" pitchFamily="66" charset="0"/>
-              </a:rPr>
-              <a:t>17, 2013</a:t>
+              <a:t>Albert R Meyer,           April 17, 2013</a:t>
             </a:r>
             <a:endParaRPr kumimoji="0" lang="en-US" sz="1200" b="0" i="0" u="none" strike="noStrike" kern="1200" cap="none" spc="0" normalizeH="0" baseline="0" noProof="0" dirty="0">
               <a:ln>
@@ -4241,13 +4246,13 @@
     <p:sldLayoutId id="2147483656" r:id="rId3"/>
     <p:sldLayoutId id="2147483657" r:id="rId4"/>
   </p:sldLayoutIdLst>
-  <mc:AlternateContent xmlns:mc="http://schemas.openxmlformats.org/markup-compatibility/2006">
-    <mc:Choice xmlns:p14="http://schemas.microsoft.com/office/powerpoint/2010/main" Requires="p14">
+  <mc:AlternateContent xmlns:mc="http://schemas.openxmlformats.org/markup-compatibility/2006" xmlns:p14="http://schemas.microsoft.com/office/powerpoint/2010/main">
+    <mc:Choice Requires="p14">
       <p:transition spd="slow" p14:dur="900" advClick="0">
         <p:fade/>
       </p:transition>
     </mc:Choice>
-    <mc:Fallback>
+    <mc:Fallback xmlns="">
       <p:transition xmlns:p14="http://schemas.microsoft.com/office/powerpoint/2010/main" spd="slow" advClick="0">
         <p:fade/>
       </p:transition>
@@ -4658,6 +4663,10 @@
           </p:nvPr>
         </p:nvSpPr>
         <p:spPr>
+          <a:xfrm>
+            <a:off x="7620000" y="6597650"/>
+            <a:ext cx="1524000" cy="276999"/>
+          </a:xfrm>
           <a:noFill/>
         </p:spPr>
         <p:txBody>
@@ -4666,11 +4675,11 @@
           <a:p>
             <a:r>
               <a:rPr lang="en-US" dirty="0" err="1" smtClean="0"/>
-              <a:t>lec</a:t>
+              <a:t>bijectcount</a:t>
             </a:r>
             <a:r>
               <a:rPr lang="en-US" dirty="0" smtClean="0"/>
-              <a:t> 10W.</a:t>
+              <a:t>.</a:t>
             </a:r>
             <a:fld id="{199EA383-E516-4FE7-9763-1F26AED9E102}" type="slidenum">
               <a:rPr lang="en-US" smtClean="0"/>
@@ -4828,11 +4837,11 @@
   <p:clrMapOvr>
     <a:masterClrMapping/>
   </p:clrMapOvr>
-  <mc:AlternateContent xmlns:mc="http://schemas.openxmlformats.org/markup-compatibility/2006">
-    <mc:Choice xmlns:p14="http://schemas.microsoft.com/office/powerpoint/2010/main" Requires="p14">
+  <mc:AlternateContent xmlns:mc="http://schemas.openxmlformats.org/markup-compatibility/2006" xmlns:p14="http://schemas.microsoft.com/office/powerpoint/2010/main">
+    <mc:Choice Requires="p14">
       <p:transition p14:dur="0" advClick="0"/>
     </mc:Choice>
-    <mc:Fallback>
+    <mc:Fallback xmlns="">
       <p:transition xmlns:p14="http://schemas.microsoft.com/office/powerpoint/2010/main" advClick="0"/>
     </mc:Fallback>
   </mc:AlternateContent>
@@ -4874,6 +4883,10 @@
           </p:nvPr>
         </p:nvSpPr>
         <p:spPr>
+          <a:xfrm>
+            <a:off x="7620000" y="6597650"/>
+            <a:ext cx="1524000" cy="276999"/>
+          </a:xfrm>
           <a:noFill/>
         </p:spPr>
         <p:txBody>
@@ -4882,11 +4895,11 @@
           <a:p>
             <a:r>
               <a:rPr lang="en-US" dirty="0" err="1" smtClean="0"/>
-              <a:t>lec</a:t>
+              <a:t>bijectcount</a:t>
             </a:r>
             <a:r>
               <a:rPr lang="en-US" dirty="0" smtClean="0"/>
-              <a:t> 10W.</a:t>
+              <a:t>.</a:t>
             </a:r>
             <a:fld id="{8B71D960-922B-4182-A13A-308B16B6BF9A}" type="slidenum">
               <a:rPr lang="en-US" smtClean="0"/>
@@ -5051,11 +5064,7 @@
             <a:pPr eaLnBrk="1" hangingPunct="1"/>
             <a:r>
               <a:rPr lang="en-US" sz="6000" dirty="0" smtClean="0"/>
-              <a:t>Product </a:t>
-            </a:r>
-            <a:r>
-              <a:rPr lang="en-US" sz="6000" dirty="0" smtClean="0"/>
-              <a:t>Rule</a:t>
+              <a:t>Product Rule</a:t>
             </a:r>
           </a:p>
         </p:txBody>
@@ -5242,6 +5251,10 @@
           </p:nvPr>
         </p:nvSpPr>
         <p:spPr>
+          <a:xfrm>
+            <a:off x="7620000" y="6597650"/>
+            <a:ext cx="1524000" cy="276999"/>
+          </a:xfrm>
           <a:noFill/>
         </p:spPr>
         <p:txBody>
@@ -5250,11 +5263,11 @@
           <a:p>
             <a:r>
               <a:rPr lang="en-US" dirty="0" err="1" smtClean="0"/>
-              <a:t>lec</a:t>
+              <a:t>bijectcount</a:t>
             </a:r>
             <a:r>
               <a:rPr lang="en-US" dirty="0" smtClean="0"/>
-              <a:t> 10W.</a:t>
+              <a:t>.</a:t>
             </a:r>
             <a:fld id="{0B793104-15DC-4977-B8C6-AEC36393E5F5}" type="slidenum">
               <a:rPr lang="en-US" smtClean="0"/>
@@ -6161,11 +6174,7 @@
             <a:pPr eaLnBrk="1" hangingPunct="1"/>
             <a:r>
               <a:rPr lang="en-US" sz="6000" dirty="0" smtClean="0"/>
-              <a:t>Product </a:t>
-            </a:r>
-            <a:r>
-              <a:rPr lang="en-US" sz="6000" dirty="0" smtClean="0"/>
-              <a:t>Rule</a:t>
+              <a:t>Product Rule</a:t>
             </a:r>
           </a:p>
         </p:txBody>
@@ -6175,13 +6184,13 @@
   <p:clrMapOvr>
     <a:masterClrMapping/>
   </p:clrMapOvr>
-  <mc:AlternateContent xmlns:mc="http://schemas.openxmlformats.org/markup-compatibility/2006">
-    <mc:Choice xmlns:p14="http://schemas.microsoft.com/office/powerpoint/2010/main" Requires="p14">
+  <mc:AlternateContent xmlns:mc="http://schemas.openxmlformats.org/markup-compatibility/2006" xmlns:p14="http://schemas.microsoft.com/office/powerpoint/2010/main">
+    <mc:Choice Requires="p14">
       <p:transition spd="slow" p14:dur="900" advClick="0">
         <p:fade/>
       </p:transition>
     </mc:Choice>
-    <mc:Fallback>
+    <mc:Fallback xmlns="">
       <p:transition xmlns:p14="http://schemas.microsoft.com/office/powerpoint/2010/main" spd="slow" advClick="0">
         <p:fade/>
       </p:transition>
@@ -6199,9 +6208,6 @@
                     <p:cTn id="3" fill="hold">
                       <p:stCondLst>
                         <p:cond delay="indefinite"/>
-                        <p:cond evt="onBegin" delay="0">
-                          <p:tn val="2"/>
-                        </p:cond>
                       </p:stCondLst>
                       <p:childTnLst>
                         <p:par>
@@ -6211,7 +6217,7 @@
                             </p:stCondLst>
                             <p:childTnLst>
                               <p:par>
-                                <p:cTn id="5" presetID="9" presetClass="entr" presetSubtype="0" fill="hold" nodeType="afterEffect">
+                                <p:cTn id="5" presetID="10" presetClass="entr" presetSubtype="0" fill="hold" nodeType="clickEffect">
                                   <p:stCondLst>
                                     <p:cond delay="0"/>
                                   </p:stCondLst>
@@ -6238,7 +6244,7 @@
                                         <p:strVal val="visible"/>
                                       </p:to>
                                     </p:set>
-                                    <p:animEffect transition="in" filter="dissolve">
+                                    <p:animEffect transition="in" filter="fade">
                                       <p:cBhvr>
                                         <p:cTn id="7" dur="500"/>
                                         <p:tgtEl>
@@ -6272,7 +6278,7 @@
                             </p:stCondLst>
                             <p:childTnLst>
                               <p:par>
-                                <p:cTn id="10" presetID="1" presetClass="entr" presetSubtype="0" fill="hold" grpId="0" nodeType="clickEffect">
+                                <p:cTn id="10" presetID="10" presetClass="entr" presetSubtype="0" fill="hold" grpId="0" nodeType="clickEffect">
                                   <p:stCondLst>
                                     <p:cond delay="0"/>
                                   </p:stCondLst>
@@ -6299,6 +6305,18 @@
                                         <p:strVal val="visible"/>
                                       </p:to>
                                     </p:set>
+                                    <p:animEffect transition="in" filter="fade">
+                                      <p:cBhvr>
+                                        <p:cTn id="12" dur="1000"/>
+                                        <p:tgtEl>
+                                          <p:spTgt spid="335876">
+                                            <p:txEl>
+                                              <p:pRg st="0" end="0"/>
+                                            </p:txEl>
+                                          </p:spTgt>
+                                        </p:tgtEl>
+                                      </p:cBhvr>
+                                    </p:animEffect>
                                   </p:childTnLst>
                                 </p:cTn>
                               </p:par>
@@ -6309,26 +6327,26 @@
                     </p:cTn>
                   </p:par>
                   <p:par>
-                    <p:cTn id="12" fill="hold">
+                    <p:cTn id="13" fill="hold">
                       <p:stCondLst>
                         <p:cond delay="indefinite"/>
                       </p:stCondLst>
                       <p:childTnLst>
                         <p:par>
-                          <p:cTn id="13" fill="hold">
+                          <p:cTn id="14" fill="hold">
                             <p:stCondLst>
                               <p:cond delay="0"/>
                             </p:stCondLst>
                             <p:childTnLst>
                               <p:par>
-                                <p:cTn id="14" presetID="22" presetClass="entr" presetSubtype="8" fill="hold" grpId="0" nodeType="clickEffect">
+                                <p:cTn id="15" presetID="22" presetClass="entr" presetSubtype="8" fill="hold" grpId="0" nodeType="clickEffect">
                                   <p:stCondLst>
                                     <p:cond delay="0"/>
                                   </p:stCondLst>
                                   <p:childTnLst>
                                     <p:set>
                                       <p:cBhvr>
-                                        <p:cTn id="15" dur="1" fill="hold">
+                                        <p:cTn id="16" dur="1" fill="hold">
                                           <p:stCondLst>
                                             <p:cond delay="0"/>
                                           </p:stCondLst>
@@ -6350,7 +6368,7 @@
                                     </p:set>
                                     <p:animEffect transition="in" filter="wipe(left)">
                                       <p:cBhvr>
-                                        <p:cTn id="16" dur="1000"/>
+                                        <p:cTn id="17" dur="1000"/>
                                         <p:tgtEl>
                                           <p:spTgt spid="335876">
                                             <p:txEl>
@@ -6367,20 +6385,20 @@
                           </p:cTn>
                         </p:par>
                         <p:par>
-                          <p:cTn id="17" fill="hold">
+                          <p:cTn id="18" fill="hold">
                             <p:stCondLst>
                               <p:cond delay="1000"/>
                             </p:stCondLst>
                             <p:childTnLst>
                               <p:par>
-                                <p:cTn id="18" presetID="22" presetClass="entr" presetSubtype="8" fill="hold" grpId="0" nodeType="afterEffect">
+                                <p:cTn id="19" presetID="22" presetClass="entr" presetSubtype="8" fill="hold" grpId="0" nodeType="afterEffect">
                                   <p:stCondLst>
                                     <p:cond delay="0"/>
                                   </p:stCondLst>
                                   <p:childTnLst>
                                     <p:set>
                                       <p:cBhvr>
-                                        <p:cTn id="19" dur="1" fill="hold">
+                                        <p:cTn id="20" dur="1" fill="hold">
                                           <p:stCondLst>
                                             <p:cond delay="0"/>
                                           </p:stCondLst>
@@ -6402,7 +6420,7 @@
                                     </p:set>
                                     <p:animEffect transition="in" filter="wipe(left)">
                                       <p:cBhvr>
-                                        <p:cTn id="20" dur="500"/>
+                                        <p:cTn id="21" dur="500"/>
                                         <p:tgtEl>
                                           <p:spTgt spid="335876">
                                             <p:txEl>
@@ -6419,20 +6437,20 @@
                           </p:cTn>
                         </p:par>
                         <p:par>
-                          <p:cTn id="21" fill="hold">
+                          <p:cTn id="22" fill="hold">
                             <p:stCondLst>
                               <p:cond delay="1500"/>
                             </p:stCondLst>
                             <p:childTnLst>
                               <p:par>
-                                <p:cTn id="22" presetID="22" presetClass="entr" presetSubtype="8" fill="hold" grpId="0" nodeType="afterEffect">
+                                <p:cTn id="23" presetID="22" presetClass="entr" presetSubtype="8" fill="hold" grpId="0" nodeType="afterEffect">
                                   <p:stCondLst>
                                     <p:cond delay="0"/>
                                   </p:stCondLst>
                                   <p:childTnLst>
                                     <p:set>
                                       <p:cBhvr>
-                                        <p:cTn id="23" dur="1" fill="hold">
+                                        <p:cTn id="24" dur="1" fill="hold">
                                           <p:stCondLst>
                                             <p:cond delay="0"/>
                                           </p:stCondLst>
@@ -6454,7 +6472,7 @@
                                     </p:set>
                                     <p:animEffect transition="in" filter="wipe(left)">
                                       <p:cBhvr>
-                                        <p:cTn id="24" dur="500"/>
+                                        <p:cTn id="25" dur="500"/>
                                         <p:tgtEl>
                                           <p:spTgt spid="335876">
                                             <p:txEl>
@@ -6471,20 +6489,20 @@
                           </p:cTn>
                         </p:par>
                         <p:par>
-                          <p:cTn id="25" fill="hold">
+                          <p:cTn id="26" fill="hold">
                             <p:stCondLst>
                               <p:cond delay="2000"/>
                             </p:stCondLst>
                             <p:childTnLst>
                               <p:par>
-                                <p:cTn id="26" presetID="22" presetClass="entr" presetSubtype="8" fill="hold" grpId="0" nodeType="afterEffect">
+                                <p:cTn id="27" presetID="22" presetClass="entr" presetSubtype="8" fill="hold" grpId="0" nodeType="afterEffect">
                                   <p:stCondLst>
                                     <p:cond delay="0"/>
                                   </p:stCondLst>
                                   <p:childTnLst>
                                     <p:set>
                                       <p:cBhvr>
-                                        <p:cTn id="27" dur="1" fill="hold">
+                                        <p:cTn id="28" dur="1" fill="hold">
                                           <p:stCondLst>
                                             <p:cond delay="0"/>
                                           </p:stCondLst>
@@ -6506,7 +6524,7 @@
                                     </p:set>
                                     <p:animEffect transition="in" filter="wipe(left)">
                                       <p:cBhvr>
-                                        <p:cTn id="28" dur="500"/>
+                                        <p:cTn id="29" dur="500"/>
                                         <p:tgtEl>
                                           <p:spTgt spid="335876">
                                             <p:txEl>
@@ -6581,6 +6599,10 @@
           </p:nvPr>
         </p:nvSpPr>
         <p:spPr>
+          <a:xfrm>
+            <a:off x="7620000" y="6597650"/>
+            <a:ext cx="1524000" cy="276999"/>
+          </a:xfrm>
           <a:noFill/>
         </p:spPr>
         <p:txBody>
@@ -6589,11 +6611,11 @@
           <a:p>
             <a:r>
               <a:rPr lang="en-US" dirty="0" err="1" smtClean="0"/>
-              <a:t>lec</a:t>
+              <a:t>bijectcount</a:t>
             </a:r>
             <a:r>
               <a:rPr lang="en-US" dirty="0" smtClean="0"/>
-              <a:t> 10W.</a:t>
+              <a:t>.</a:t>
             </a:r>
             <a:fld id="{9ACAA9E8-60E9-4E1B-A2A5-A12F742B4431}" type="slidenum">
               <a:rPr lang="en-US" smtClean="0"/>
@@ -6909,13 +6931,13 @@
   <p:clrMapOvr>
     <a:masterClrMapping/>
   </p:clrMapOvr>
-  <mc:AlternateContent xmlns:mc="http://schemas.openxmlformats.org/markup-compatibility/2006">
-    <mc:Choice xmlns:p14="http://schemas.microsoft.com/office/powerpoint/2010/main" Requires="p14">
+  <mc:AlternateContent xmlns:mc="http://schemas.openxmlformats.org/markup-compatibility/2006" xmlns:p14="http://schemas.microsoft.com/office/powerpoint/2010/main">
+    <mc:Choice Requires="p14">
       <p:transition spd="slow" p14:dur="900" advClick="0">
         <p:fade/>
       </p:transition>
     </mc:Choice>
-    <mc:Fallback>
+    <mc:Fallback xmlns="">
       <p:transition xmlns:p14="http://schemas.microsoft.com/office/powerpoint/2010/main" spd="slow" advClick="0">
         <p:fade/>
       </p:transition>
@@ -6942,7 +6964,7 @@
                             </p:stCondLst>
                             <p:childTnLst>
                               <p:par>
-                                <p:cTn id="5" presetID="1" presetClass="entr" presetSubtype="0" fill="hold" nodeType="clickEffect">
+                                <p:cTn id="5" presetID="10" presetClass="entr" presetSubtype="0" fill="hold" nodeType="clickEffect">
                                   <p:stCondLst>
                                     <p:cond delay="0"/>
                                   </p:stCondLst>
@@ -6969,6 +6991,18 @@
                                         <p:strVal val="visible"/>
                                       </p:to>
                                     </p:set>
+                                    <p:animEffect transition="in" filter="fade">
+                                      <p:cBhvr>
+                                        <p:cTn id="7" dur="500"/>
+                                        <p:tgtEl>
+                                          <p:spTgt spid="22532">
+                                            <p:txEl>
+                                              <p:pRg st="1" end="1"/>
+                                            </p:txEl>
+                                          </p:spTgt>
+                                        </p:tgtEl>
+                                      </p:cBhvr>
+                                    </p:animEffect>
                                   </p:childTnLst>
                                 </p:cTn>
                               </p:par>
@@ -6979,26 +7013,26 @@
                     </p:cTn>
                   </p:par>
                   <p:par>
-                    <p:cTn id="7" fill="hold">
+                    <p:cTn id="8" fill="hold">
                       <p:stCondLst>
                         <p:cond delay="indefinite"/>
                       </p:stCondLst>
                       <p:childTnLst>
                         <p:par>
-                          <p:cTn id="8" fill="hold">
+                          <p:cTn id="9" fill="hold">
                             <p:stCondLst>
                               <p:cond delay="0"/>
                             </p:stCondLst>
                             <p:childTnLst>
                               <p:par>
-                                <p:cTn id="9" presetID="1" presetClass="entr" presetSubtype="0" fill="hold" nodeType="clickEffect">
+                                <p:cTn id="10" presetID="10" presetClass="entr" presetSubtype="0" fill="hold" nodeType="clickEffect">
                                   <p:stCondLst>
                                     <p:cond delay="0"/>
                                   </p:stCondLst>
                                   <p:childTnLst>
                                     <p:set>
                                       <p:cBhvr>
-                                        <p:cTn id="10" dur="1" fill="hold">
+                                        <p:cTn id="11" dur="1" fill="hold">
                                           <p:stCondLst>
                                             <p:cond delay="0"/>
                                           </p:stCondLst>
@@ -7018,6 +7052,18 @@
                                         <p:strVal val="visible"/>
                                       </p:to>
                                     </p:set>
+                                    <p:animEffect transition="in" filter="fade">
+                                      <p:cBhvr>
+                                        <p:cTn id="12" dur="500"/>
+                                        <p:tgtEl>
+                                          <p:spTgt spid="22532">
+                                            <p:txEl>
+                                              <p:pRg st="2" end="2"/>
+                                            </p:txEl>
+                                          </p:spTgt>
+                                        </p:tgtEl>
+                                      </p:cBhvr>
+                                    </p:animEffect>
                                   </p:childTnLst>
                                 </p:cTn>
                               </p:par>
@@ -7028,26 +7074,26 @@
                     </p:cTn>
                   </p:par>
                   <p:par>
-                    <p:cTn id="11" fill="hold">
+                    <p:cTn id="13" fill="hold">
                       <p:stCondLst>
                         <p:cond delay="indefinite"/>
                       </p:stCondLst>
                       <p:childTnLst>
                         <p:par>
-                          <p:cTn id="12" fill="hold">
+                          <p:cTn id="14" fill="hold">
                             <p:stCondLst>
                               <p:cond delay="0"/>
                             </p:stCondLst>
                             <p:childTnLst>
                               <p:par>
-                                <p:cTn id="13" presetID="1" presetClass="entr" presetSubtype="0" fill="hold" nodeType="clickEffect">
+                                <p:cTn id="15" presetID="10" presetClass="entr" presetSubtype="0" fill="hold" nodeType="clickEffect">
                                   <p:stCondLst>
                                     <p:cond delay="0"/>
                                   </p:stCondLst>
                                   <p:childTnLst>
                                     <p:set>
                                       <p:cBhvr>
-                                        <p:cTn id="14" dur="1" fill="hold">
+                                        <p:cTn id="16" dur="1" fill="hold">
                                           <p:stCondLst>
                                             <p:cond delay="0"/>
                                           </p:stCondLst>
@@ -7067,6 +7113,18 @@
                                         <p:strVal val="visible"/>
                                       </p:to>
                                     </p:set>
+                                    <p:animEffect transition="in" filter="fade">
+                                      <p:cBhvr>
+                                        <p:cTn id="17" dur="500"/>
+                                        <p:tgtEl>
+                                          <p:spTgt spid="22532">
+                                            <p:txEl>
+                                              <p:pRg st="3" end="3"/>
+                                            </p:txEl>
+                                          </p:spTgt>
+                                        </p:tgtEl>
+                                      </p:cBhvr>
+                                    </p:animEffect>
                                   </p:childTnLst>
                                 </p:cTn>
                               </p:par>
@@ -7129,6 +7187,10 @@
           </p:nvPr>
         </p:nvSpPr>
         <p:spPr>
+          <a:xfrm>
+            <a:off x="7620000" y="6597650"/>
+            <a:ext cx="1524000" cy="276999"/>
+          </a:xfrm>
           <a:noFill/>
         </p:spPr>
         <p:txBody>
@@ -7137,11 +7199,11 @@
           <a:p>
             <a:r>
               <a:rPr lang="en-US" dirty="0" err="1" smtClean="0"/>
-              <a:t>lec</a:t>
+              <a:t>bijectcount</a:t>
             </a:r>
             <a:r>
               <a:rPr lang="en-US" dirty="0" smtClean="0"/>
-              <a:t> 10W.</a:t>
+              <a:t>.</a:t>
             </a:r>
             <a:fld id="{C13265DF-BEC1-47FC-A2D4-BDF328E75674}" type="slidenum">
               <a:rPr lang="en-US" smtClean="0"/>
@@ -7367,13 +7429,13 @@
   <p:clrMapOvr>
     <a:masterClrMapping/>
   </p:clrMapOvr>
-  <mc:AlternateContent xmlns:mc="http://schemas.openxmlformats.org/markup-compatibility/2006">
-    <mc:Choice xmlns:p14="http://schemas.microsoft.com/office/powerpoint/2010/main" Requires="p14">
+  <mc:AlternateContent xmlns:mc="http://schemas.openxmlformats.org/markup-compatibility/2006" xmlns:p14="http://schemas.microsoft.com/office/powerpoint/2010/main">
+    <mc:Choice Requires="p14">
       <p:transition spd="slow" p14:dur="900" advClick="0">
         <p:fade/>
       </p:transition>
     </mc:Choice>
-    <mc:Fallback>
+    <mc:Fallback xmlns="">
       <p:transition xmlns:p14="http://schemas.microsoft.com/office/powerpoint/2010/main" spd="slow" advClick="0">
         <p:fade/>
       </p:transition>
@@ -7625,6 +7687,10 @@
           </p:nvPr>
         </p:nvSpPr>
         <p:spPr>
+          <a:xfrm>
+            <a:off x="7620000" y="6597650"/>
+            <a:ext cx="1524000" cy="276999"/>
+          </a:xfrm>
           <a:noFill/>
         </p:spPr>
         <p:txBody>
@@ -7633,11 +7699,11 @@
           <a:p>
             <a:r>
               <a:rPr lang="en-US" dirty="0" err="1" smtClean="0"/>
-              <a:t>lec</a:t>
+              <a:t>bijectcount</a:t>
             </a:r>
             <a:r>
               <a:rPr lang="en-US" dirty="0" smtClean="0"/>
-              <a:t> 10W.</a:t>
+              <a:t>.</a:t>
             </a:r>
             <a:fld id="{D976DC80-1CD7-4100-A55E-2DD559440D8D}" type="slidenum">
               <a:rPr lang="en-US" smtClean="0"/>
@@ -8107,6 +8173,10 @@
           </p:nvPr>
         </p:nvSpPr>
         <p:spPr>
+          <a:xfrm>
+            <a:off x="7620000" y="6597650"/>
+            <a:ext cx="1524000" cy="276999"/>
+          </a:xfrm>
           <a:noFill/>
         </p:spPr>
         <p:txBody>
@@ -8115,11 +8185,11 @@
           <a:p>
             <a:r>
               <a:rPr lang="en-US" dirty="0" err="1" smtClean="0"/>
-              <a:t>lec</a:t>
+              <a:t>bijectcount</a:t>
             </a:r>
             <a:r>
               <a:rPr lang="en-US" dirty="0" smtClean="0"/>
-              <a:t> 10W.</a:t>
+              <a:t>.</a:t>
             </a:r>
             <a:fld id="{F53D1246-CE8C-4802-BF7B-CC4A005CA925}" type="slidenum">
               <a:rPr lang="en-US" smtClean="0"/>
@@ -8398,13 +8468,13 @@
   <p:clrMapOvr>
     <a:masterClrMapping/>
   </p:clrMapOvr>
-  <mc:AlternateContent xmlns:mc="http://schemas.openxmlformats.org/markup-compatibility/2006">
-    <mc:Choice xmlns:p14="http://schemas.microsoft.com/office/powerpoint/2010/main" Requires="p14">
+  <mc:AlternateContent xmlns:mc="http://schemas.openxmlformats.org/markup-compatibility/2006" xmlns:p14="http://schemas.microsoft.com/office/powerpoint/2010/main">
+    <mc:Choice Requires="p14">
       <p:transition spd="slow" p14:dur="900" advClick="0">
         <p:fade/>
       </p:transition>
     </mc:Choice>
-    <mc:Fallback>
+    <mc:Fallback xmlns="">
       <p:transition xmlns:p14="http://schemas.microsoft.com/office/powerpoint/2010/main" spd="slow" advClick="0">
         <p:fade/>
       </p:transition>
@@ -8431,7 +8501,7 @@
                             </p:stCondLst>
                             <p:childTnLst>
                               <p:par>
-                                <p:cTn id="5" presetID="1" presetClass="entr" presetSubtype="0" fill="hold" nodeType="clickEffect">
+                                <p:cTn id="5" presetID="10" presetClass="entr" presetSubtype="0" fill="hold" nodeType="clickEffect">
                                   <p:stCondLst>
                                     <p:cond delay="0"/>
                                   </p:stCondLst>
@@ -8458,6 +8528,18 @@
                                         <p:strVal val="visible"/>
                                       </p:to>
                                     </p:set>
+                                    <p:animEffect transition="in" filter="fade">
+                                      <p:cBhvr>
+                                        <p:cTn id="7" dur="500"/>
+                                        <p:tgtEl>
+                                          <p:spTgt spid="6">
+                                            <p:txEl>
+                                              <p:pRg st="1" end="1"/>
+                                            </p:txEl>
+                                          </p:spTgt>
+                                        </p:tgtEl>
+                                      </p:cBhvr>
+                                    </p:animEffect>
                                   </p:childTnLst>
                                 </p:cTn>
                               </p:par>
@@ -8468,26 +8550,26 @@
                     </p:cTn>
                   </p:par>
                   <p:par>
-                    <p:cTn id="7" fill="hold">
+                    <p:cTn id="8" fill="hold">
                       <p:stCondLst>
                         <p:cond delay="indefinite"/>
                       </p:stCondLst>
                       <p:childTnLst>
                         <p:par>
-                          <p:cTn id="8" fill="hold">
+                          <p:cTn id="9" fill="hold">
                             <p:stCondLst>
                               <p:cond delay="0"/>
                             </p:stCondLst>
                             <p:childTnLst>
                               <p:par>
-                                <p:cTn id="9" presetID="1" presetClass="entr" presetSubtype="0" fill="hold" nodeType="clickEffect">
+                                <p:cTn id="10" presetID="10" presetClass="entr" presetSubtype="0" fill="hold" nodeType="clickEffect">
                                   <p:stCondLst>
                                     <p:cond delay="0"/>
                                   </p:stCondLst>
                                   <p:childTnLst>
                                     <p:set>
                                       <p:cBhvr>
-                                        <p:cTn id="10" dur="1" fill="hold">
+                                        <p:cTn id="11" dur="1" fill="hold">
                                           <p:stCondLst>
                                             <p:cond delay="0"/>
                                           </p:stCondLst>
@@ -8507,18 +8589,30 @@
                                         <p:strVal val="visible"/>
                                       </p:to>
                                     </p:set>
+                                    <p:animEffect transition="in" filter="fade">
+                                      <p:cBhvr>
+                                        <p:cTn id="12" dur="500"/>
+                                        <p:tgtEl>
+                                          <p:spTgt spid="6">
+                                            <p:txEl>
+                                              <p:pRg st="2" end="2"/>
+                                            </p:txEl>
+                                          </p:spTgt>
+                                        </p:tgtEl>
+                                      </p:cBhvr>
+                                    </p:animEffect>
                                   </p:childTnLst>
                                 </p:cTn>
                               </p:par>
                               <p:par>
-                                <p:cTn id="11" presetID="1" presetClass="entr" presetSubtype="0" fill="hold" nodeType="withEffect">
+                                <p:cTn id="13" presetID="10" presetClass="entr" presetSubtype="0" fill="hold" nodeType="withEffect">
                                   <p:stCondLst>
                                     <p:cond delay="0"/>
                                   </p:stCondLst>
                                   <p:childTnLst>
                                     <p:set>
                                       <p:cBhvr>
-                                        <p:cTn id="12" dur="1" fill="hold">
+                                        <p:cTn id="14" dur="1" fill="hold">
                                           <p:stCondLst>
                                             <p:cond delay="0"/>
                                           </p:stCondLst>
@@ -8538,6 +8632,18 @@
                                         <p:strVal val="visible"/>
                                       </p:to>
                                     </p:set>
+                                    <p:animEffect transition="in" filter="fade">
+                                      <p:cBhvr>
+                                        <p:cTn id="15" dur="500"/>
+                                        <p:tgtEl>
+                                          <p:spTgt spid="6">
+                                            <p:txEl>
+                                              <p:pRg st="3" end="3"/>
+                                            </p:txEl>
+                                          </p:spTgt>
+                                        </p:tgtEl>
+                                      </p:cBhvr>
+                                    </p:animEffect>
                                   </p:childTnLst>
                                 </p:cTn>
                               </p:par>
@@ -8548,26 +8654,26 @@
                     </p:cTn>
                   </p:par>
                   <p:par>
-                    <p:cTn id="13" fill="hold">
+                    <p:cTn id="16" fill="hold">
                       <p:stCondLst>
                         <p:cond delay="indefinite"/>
                       </p:stCondLst>
                       <p:childTnLst>
                         <p:par>
-                          <p:cTn id="14" fill="hold">
+                          <p:cTn id="17" fill="hold">
                             <p:stCondLst>
                               <p:cond delay="0"/>
                             </p:stCondLst>
                             <p:childTnLst>
                               <p:par>
-                                <p:cTn id="15" presetID="9" presetClass="entr" presetSubtype="0" fill="hold" nodeType="clickEffect">
+                                <p:cTn id="18" presetID="22" presetClass="entr" presetSubtype="8" fill="hold" nodeType="clickEffect">
                                   <p:stCondLst>
                                     <p:cond delay="0"/>
                                   </p:stCondLst>
                                   <p:childTnLst>
                                     <p:set>
                                       <p:cBhvr>
-                                        <p:cTn id="16" dur="1" fill="hold">
+                                        <p:cTn id="19" dur="1" fill="hold">
                                           <p:stCondLst>
                                             <p:cond delay="0"/>
                                           </p:stCondLst>
@@ -8587,9 +8693,9 @@
                                         <p:strVal val="visible"/>
                                       </p:to>
                                     </p:set>
-                                    <p:animEffect transition="in" filter="dissolve">
+                                    <p:animEffect transition="in" filter="wipe(left)">
                                       <p:cBhvr>
-                                        <p:cTn id="17" dur="500"/>
+                                        <p:cTn id="20" dur="1000"/>
                                         <p:tgtEl>
                                           <p:spTgt spid="6">
                                             <p:txEl>
@@ -8866,7 +8972,12 @@
             <p:ph type="sldNum" sz="quarter" idx="10"/>
           </p:nvPr>
         </p:nvSpPr>
-        <p:spPr/>
+        <p:spPr>
+          <a:xfrm>
+            <a:off x="7620000" y="6597650"/>
+            <a:ext cx="1524000" cy="276999"/>
+          </a:xfrm>
+        </p:spPr>
         <p:txBody>
           <a:bodyPr/>
           <a:lstStyle/>
@@ -8876,11 +8987,11 @@
             </a:pPr>
             <a:r>
               <a:rPr lang="en-US" dirty="0" err="1" smtClean="0"/>
-              <a:t>lec</a:t>
+              <a:t>bijectcount</a:t>
             </a:r>
             <a:r>
               <a:rPr lang="en-US" dirty="0" smtClean="0"/>
-              <a:t> 10W.</a:t>
+              <a:t>.</a:t>
             </a:r>
             <a:fld id="{98B0E1D1-22E3-4CC1-B6FA-DF55DA8E78AC}" type="slidenum">
               <a:rPr lang="en-US" smtClean="0"/>
@@ -8926,13 +9037,13 @@
   <p:clrMapOvr>
     <a:masterClrMapping/>
   </p:clrMapOvr>
-  <mc:AlternateContent xmlns:mc="http://schemas.openxmlformats.org/markup-compatibility/2006">
-    <mc:Choice xmlns:p14="http://schemas.microsoft.com/office/powerpoint/2010/main" Requires="p14">
+  <mc:AlternateContent xmlns:mc="http://schemas.openxmlformats.org/markup-compatibility/2006" xmlns:p14="http://schemas.microsoft.com/office/powerpoint/2010/main">
+    <mc:Choice Requires="p14">
       <p:transition spd="slow" p14:dur="900" advClick="0">
         <p:fade/>
       </p:transition>
     </mc:Choice>
-    <mc:Fallback>
+    <mc:Fallback xmlns="">
       <p:transition xmlns:p14="http://schemas.microsoft.com/office/powerpoint/2010/main" spd="slow" advClick="0">
         <p:fade/>
       </p:transition>
@@ -8959,7 +9070,7 @@
                             </p:stCondLst>
                             <p:childTnLst>
                               <p:par>
-                                <p:cTn id="5" presetID="1" presetClass="entr" presetSubtype="0" fill="hold" nodeType="clickEffect">
+                                <p:cTn id="5" presetID="10" presetClass="entr" presetSubtype="0" fill="hold" nodeType="clickEffect">
                                   <p:stCondLst>
                                     <p:cond delay="0"/>
                                   </p:stCondLst>
@@ -8986,6 +9097,18 @@
                                         <p:strVal val="visible"/>
                                       </p:to>
                                     </p:set>
+                                    <p:animEffect transition="in" filter="fade">
+                                      <p:cBhvr>
+                                        <p:cTn id="7" dur="500"/>
+                                        <p:tgtEl>
+                                          <p:spTgt spid="3">
+                                            <p:txEl>
+                                              <p:pRg st="1" end="1"/>
+                                            </p:txEl>
+                                          </p:spTgt>
+                                        </p:tgtEl>
+                                      </p:cBhvr>
+                                    </p:animEffect>
                                   </p:childTnLst>
                                 </p:cTn>
                               </p:par>
@@ -8996,26 +9119,26 @@
                     </p:cTn>
                   </p:par>
                   <p:par>
-                    <p:cTn id="7" fill="hold">
+                    <p:cTn id="8" fill="hold">
                       <p:stCondLst>
                         <p:cond delay="indefinite"/>
                       </p:stCondLst>
                       <p:childTnLst>
                         <p:par>
-                          <p:cTn id="8" fill="hold">
+                          <p:cTn id="9" fill="hold">
                             <p:stCondLst>
                               <p:cond delay="0"/>
                             </p:stCondLst>
                             <p:childTnLst>
                               <p:par>
-                                <p:cTn id="9" presetID="1" presetClass="entr" presetSubtype="0" fill="hold" nodeType="clickEffect">
+                                <p:cTn id="10" presetID="10" presetClass="entr" presetSubtype="0" fill="hold" nodeType="clickEffect">
                                   <p:stCondLst>
                                     <p:cond delay="0"/>
                                   </p:stCondLst>
                                   <p:childTnLst>
                                     <p:set>
                                       <p:cBhvr>
-                                        <p:cTn id="10" dur="1" fill="hold">
+                                        <p:cTn id="11" dur="1" fill="hold">
                                           <p:stCondLst>
                                             <p:cond delay="0"/>
                                           </p:stCondLst>
@@ -9035,6 +9158,18 @@
                                         <p:strVal val="visible"/>
                                       </p:to>
                                     </p:set>
+                                    <p:animEffect transition="in" filter="fade">
+                                      <p:cBhvr>
+                                        <p:cTn id="12" dur="500"/>
+                                        <p:tgtEl>
+                                          <p:spTgt spid="3">
+                                            <p:txEl>
+                                              <p:pRg st="2" end="2"/>
+                                            </p:txEl>
+                                          </p:spTgt>
+                                        </p:tgtEl>
+                                      </p:cBhvr>
+                                    </p:animEffect>
                                   </p:childTnLst>
                                 </p:cTn>
                               </p:par>
@@ -9045,26 +9180,26 @@
                     </p:cTn>
                   </p:par>
                   <p:par>
-                    <p:cTn id="11" fill="hold">
+                    <p:cTn id="13" fill="hold">
                       <p:stCondLst>
                         <p:cond delay="indefinite"/>
                       </p:stCondLst>
                       <p:childTnLst>
                         <p:par>
-                          <p:cTn id="12" fill="hold">
+                          <p:cTn id="14" fill="hold">
                             <p:stCondLst>
                               <p:cond delay="0"/>
                             </p:stCondLst>
                             <p:childTnLst>
                               <p:par>
-                                <p:cTn id="13" presetID="1" presetClass="entr" presetSubtype="0" fill="hold" nodeType="clickEffect">
+                                <p:cTn id="15" presetID="10" presetClass="entr" presetSubtype="0" fill="hold" nodeType="clickEffect">
                                   <p:stCondLst>
                                     <p:cond delay="0"/>
                                   </p:stCondLst>
                                   <p:childTnLst>
                                     <p:set>
                                       <p:cBhvr>
-                                        <p:cTn id="14" dur="1" fill="hold">
+                                        <p:cTn id="16" dur="1" fill="hold">
                                           <p:stCondLst>
                                             <p:cond delay="0"/>
                                           </p:stCondLst>
@@ -9084,6 +9219,18 @@
                                         <p:strVal val="visible"/>
                                       </p:to>
                                     </p:set>
+                                    <p:animEffect transition="in" filter="fade">
+                                      <p:cBhvr>
+                                        <p:cTn id="17" dur="500"/>
+                                        <p:tgtEl>
+                                          <p:spTgt spid="3">
+                                            <p:txEl>
+                                              <p:pRg st="3" end="3"/>
+                                            </p:txEl>
+                                          </p:spTgt>
+                                        </p:tgtEl>
+                                      </p:cBhvr>
+                                    </p:animEffect>
                                   </p:childTnLst>
                                 </p:cTn>
                               </p:par>
@@ -9146,6 +9293,10 @@
           </p:nvPr>
         </p:nvSpPr>
         <p:spPr>
+          <a:xfrm>
+            <a:off x="7620000" y="6597650"/>
+            <a:ext cx="1524000" cy="276999"/>
+          </a:xfrm>
           <a:noFill/>
         </p:spPr>
         <p:txBody>
@@ -9154,11 +9305,11 @@
           <a:p>
             <a:r>
               <a:rPr lang="en-US" dirty="0" err="1" smtClean="0"/>
-              <a:t>lec</a:t>
+              <a:t>bijectcount</a:t>
             </a:r>
             <a:r>
               <a:rPr lang="en-US" dirty="0" smtClean="0"/>
-              <a:t> 10W.</a:t>
+              <a:t>.</a:t>
             </a:r>
             <a:fld id="{1A5D8267-F4DE-41EB-BB46-259FBFEC12C3}" type="slidenum">
               <a:rPr lang="en-US" smtClean="0"/>
@@ -9557,13 +9708,13 @@
   <p:clrMapOvr>
     <a:masterClrMapping/>
   </p:clrMapOvr>
-  <mc:AlternateContent xmlns:mc="http://schemas.openxmlformats.org/markup-compatibility/2006">
-    <mc:Choice xmlns:p14="http://schemas.microsoft.com/office/powerpoint/2010/main" Requires="p14">
+  <mc:AlternateContent xmlns:mc="http://schemas.openxmlformats.org/markup-compatibility/2006" xmlns:p14="http://schemas.microsoft.com/office/powerpoint/2010/main">
+    <mc:Choice Requires="p14">
       <p:transition spd="slow" p14:dur="900" advClick="0">
         <p:fade/>
       </p:transition>
     </mc:Choice>
-    <mc:Fallback>
+    <mc:Fallback xmlns="">
       <p:transition xmlns:p14="http://schemas.microsoft.com/office/powerpoint/2010/main" spd="slow" advClick="0">
         <p:fade/>
       </p:transition>
@@ -9590,7 +9741,7 @@
                             </p:stCondLst>
                             <p:childTnLst>
                               <p:par>
-                                <p:cTn id="5" presetID="9" presetClass="entr" presetSubtype="0" fill="hold" nodeType="clickEffect">
+                                <p:cTn id="5" presetID="10" presetClass="entr" presetSubtype="0" fill="hold" nodeType="clickEffect">
                                   <p:stCondLst>
                                     <p:cond delay="0"/>
                                   </p:stCondLst>
@@ -9617,7 +9768,7 @@
                                         <p:strVal val="visible"/>
                                       </p:to>
                                     </p:set>
-                                    <p:animEffect transition="in" filter="dissolve">
+                                    <p:animEffect transition="in" filter="fade">
                                       <p:cBhvr>
                                         <p:cTn id="7" dur="500"/>
                                         <p:tgtEl>
@@ -9712,7 +9863,7 @@
                             </p:stCondLst>
                             <p:childTnLst>
                               <p:par>
-                                <p:cTn id="15" presetID="1" presetClass="entr" presetSubtype="0" fill="hold" nodeType="clickEffect">
+                                <p:cTn id="15" presetID="10" presetClass="entr" presetSubtype="0" fill="hold" nodeType="clickEffect">
                                   <p:stCondLst>
                                     <p:cond delay="0"/>
                                   </p:stCondLst>
@@ -9739,6 +9890,18 @@
                                         <p:strVal val="visible"/>
                                       </p:to>
                                     </p:set>
+                                    <p:animEffect transition="in" filter="fade">
+                                      <p:cBhvr>
+                                        <p:cTn id="17" dur="500"/>
+                                        <p:tgtEl>
+                                          <p:spTgt spid="7">
+                                            <p:txEl>
+                                              <p:pRg st="3" end="3"/>
+                                            </p:txEl>
+                                          </p:spTgt>
+                                        </p:tgtEl>
+                                      </p:cBhvr>
+                                    </p:animEffect>
                                   </p:childTnLst>
                                 </p:cTn>
                               </p:par>
@@ -9746,20 +9909,20 @@
                           </p:cTn>
                         </p:par>
                         <p:par>
-                          <p:cTn id="17" fill="hold">
+                          <p:cTn id="18" fill="hold">
                             <p:stCondLst>
-                              <p:cond delay="0"/>
+                              <p:cond delay="500"/>
                             </p:stCondLst>
                             <p:childTnLst>
                               <p:par>
-                                <p:cTn id="18" presetID="1" presetClass="entr" presetSubtype="0" fill="hold" nodeType="afterEffect">
+                                <p:cTn id="19" presetID="10" presetClass="entr" presetSubtype="0" fill="hold" nodeType="afterEffect">
                                   <p:stCondLst>
                                     <p:cond delay="0"/>
                                   </p:stCondLst>
                                   <p:childTnLst>
                                     <p:set>
                                       <p:cBhvr>
-                                        <p:cTn id="19" dur="1" fill="hold">
+                                        <p:cTn id="20" dur="1" fill="hold">
                                           <p:stCondLst>
                                             <p:cond delay="0"/>
                                           </p:stCondLst>
@@ -9779,6 +9942,18 @@
                                         <p:strVal val="visible"/>
                                       </p:to>
                                     </p:set>
+                                    <p:animEffect transition="in" filter="fade">
+                                      <p:cBhvr>
+                                        <p:cTn id="21" dur="500"/>
+                                        <p:tgtEl>
+                                          <p:spTgt spid="7">
+                                            <p:txEl>
+                                              <p:pRg st="4" end="4"/>
+                                            </p:txEl>
+                                          </p:spTgt>
+                                        </p:tgtEl>
+                                      </p:cBhvr>
+                                    </p:animEffect>
                                   </p:childTnLst>
                                 </p:cTn>
                               </p:par>
@@ -9841,6 +10016,10 @@
           </p:nvPr>
         </p:nvSpPr>
         <p:spPr>
+          <a:xfrm>
+            <a:off x="7620000" y="6597650"/>
+            <a:ext cx="1524000" cy="276999"/>
+          </a:xfrm>
           <a:noFill/>
         </p:spPr>
         <p:txBody>
@@ -9849,11 +10028,11 @@
           <a:p>
             <a:r>
               <a:rPr lang="en-US" dirty="0" err="1" smtClean="0"/>
-              <a:t>lec</a:t>
+              <a:t>bijectcount</a:t>
             </a:r>
             <a:r>
               <a:rPr lang="en-US" dirty="0" smtClean="0"/>
-              <a:t> 10W.</a:t>
+              <a:t>.</a:t>
             </a:r>
             <a:fld id="{32131BEB-8BF7-42C4-8263-F9F58D3D34B8}" type="slidenum">
               <a:rPr lang="en-US" smtClean="0"/>
@@ -10426,7 +10605,7 @@
                             </p:stCondLst>
                             <p:childTnLst>
                               <p:par>
-                                <p:cTn id="5" presetID="1" presetClass="entr" presetSubtype="0" fill="hold" nodeType="clickEffect">
+                                <p:cTn id="5" presetID="10" presetClass="entr" presetSubtype="0" fill="hold" nodeType="clickEffect">
                                   <p:stCondLst>
                                     <p:cond delay="0"/>
                                   </p:stCondLst>
@@ -10453,6 +10632,18 @@
                                         <p:strVal val="visible"/>
                                       </p:to>
                                     </p:set>
+                                    <p:animEffect transition="in" filter="fade">
+                                      <p:cBhvr>
+                                        <p:cTn id="7" dur="500"/>
+                                        <p:tgtEl>
+                                          <p:spTgt spid="374787">
+                                            <p:txEl>
+                                              <p:pRg st="0" end="0"/>
+                                            </p:txEl>
+                                          </p:spTgt>
+                                        </p:tgtEl>
+                                      </p:cBhvr>
+                                    </p:animEffect>
                                   </p:childTnLst>
                                 </p:cTn>
                               </p:par>
@@ -10463,26 +10654,26 @@
                     </p:cTn>
                   </p:par>
                   <p:par>
-                    <p:cTn id="7" fill="hold">
+                    <p:cTn id="8" fill="hold">
                       <p:stCondLst>
                         <p:cond delay="indefinite"/>
                       </p:stCondLst>
                       <p:childTnLst>
                         <p:par>
-                          <p:cTn id="8" fill="hold">
+                          <p:cTn id="9" fill="hold">
                             <p:stCondLst>
                               <p:cond delay="0"/>
                             </p:stCondLst>
                             <p:childTnLst>
                               <p:par>
-                                <p:cTn id="9" presetID="1" presetClass="entr" presetSubtype="0" fill="hold" nodeType="clickEffect">
+                                <p:cTn id="10" presetID="10" presetClass="entr" presetSubtype="0" fill="hold" nodeType="clickEffect">
                                   <p:stCondLst>
                                     <p:cond delay="0"/>
                                   </p:stCondLst>
                                   <p:childTnLst>
                                     <p:set>
                                       <p:cBhvr>
-                                        <p:cTn id="10" dur="1" fill="hold">
+                                        <p:cTn id="11" dur="1" fill="hold">
                                           <p:stCondLst>
                                             <p:cond delay="0"/>
                                           </p:stCondLst>
@@ -10502,6 +10693,18 @@
                                         <p:strVal val="visible"/>
                                       </p:to>
                                     </p:set>
+                                    <p:animEffect transition="in" filter="fade">
+                                      <p:cBhvr>
+                                        <p:cTn id="12" dur="500"/>
+                                        <p:tgtEl>
+                                          <p:spTgt spid="374787">
+                                            <p:txEl>
+                                              <p:pRg st="1" end="1"/>
+                                            </p:txEl>
+                                          </p:spTgt>
+                                        </p:tgtEl>
+                                      </p:cBhvr>
+                                    </p:animEffect>
                                   </p:childTnLst>
                                 </p:cTn>
                               </p:par>
@@ -10512,26 +10715,26 @@
                     </p:cTn>
                   </p:par>
                   <p:par>
-                    <p:cTn id="11" fill="hold">
+                    <p:cTn id="13" fill="hold">
                       <p:stCondLst>
                         <p:cond delay="indefinite"/>
                       </p:stCondLst>
                       <p:childTnLst>
                         <p:par>
-                          <p:cTn id="12" fill="hold">
+                          <p:cTn id="14" fill="hold">
                             <p:stCondLst>
                               <p:cond delay="0"/>
                             </p:stCondLst>
                             <p:childTnLst>
                               <p:par>
-                                <p:cTn id="13" presetID="22" presetClass="entr" presetSubtype="8" fill="hold" nodeType="clickEffect">
+                                <p:cTn id="15" presetID="22" presetClass="entr" presetSubtype="8" fill="hold" nodeType="clickEffect">
                                   <p:stCondLst>
                                     <p:cond delay="0"/>
                                   </p:stCondLst>
                                   <p:childTnLst>
                                     <p:set>
                                       <p:cBhvr>
-                                        <p:cTn id="14" dur="1" fill="hold">
+                                        <p:cTn id="16" dur="1" fill="hold">
                                           <p:stCondLst>
                                             <p:cond delay="0"/>
                                           </p:stCondLst>
@@ -10553,7 +10756,7 @@
                                     </p:set>
                                     <p:animEffect transition="in" filter="wipe(left)">
                                       <p:cBhvr>
-                                        <p:cTn id="15" dur="1000"/>
+                                        <p:cTn id="17" dur="1000"/>
                                         <p:tgtEl>
                                           <p:spTgt spid="374787">
                                             <p:txEl>
@@ -10573,26 +10776,26 @@
                     </p:cTn>
                   </p:par>
                   <p:par>
-                    <p:cTn id="16" fill="hold">
+                    <p:cTn id="18" fill="hold">
                       <p:stCondLst>
                         <p:cond delay="indefinite"/>
                       </p:stCondLst>
                       <p:childTnLst>
                         <p:par>
-                          <p:cTn id="17" fill="hold">
+                          <p:cTn id="19" fill="hold">
                             <p:stCondLst>
                               <p:cond delay="0"/>
                             </p:stCondLst>
                             <p:childTnLst>
                               <p:par>
-                                <p:cTn id="18" presetID="22" presetClass="entr" presetSubtype="8" fill="hold" nodeType="clickEffect">
+                                <p:cTn id="20" presetID="22" presetClass="entr" presetSubtype="8" fill="hold" nodeType="clickEffect">
                                   <p:stCondLst>
                                     <p:cond delay="0"/>
                                   </p:stCondLst>
                                   <p:childTnLst>
                                     <p:set>
                                       <p:cBhvr>
-                                        <p:cTn id="19" dur="1" fill="hold">
+                                        <p:cTn id="21" dur="1" fill="hold">
                                           <p:stCondLst>
                                             <p:cond delay="0"/>
                                           </p:stCondLst>
@@ -10614,7 +10817,7 @@
                                     </p:set>
                                     <p:animEffect transition="in" filter="wipe(left)">
                                       <p:cBhvr>
-                                        <p:cTn id="20" dur="500"/>
+                                        <p:cTn id="22" dur="500"/>
                                         <p:tgtEl>
                                           <p:spTgt spid="374787">
                                             <p:txEl>
@@ -10634,26 +10837,26 @@
                     </p:cTn>
                   </p:par>
                   <p:par>
-                    <p:cTn id="21" fill="hold">
+                    <p:cTn id="23" fill="hold">
                       <p:stCondLst>
                         <p:cond delay="indefinite"/>
                       </p:stCondLst>
                       <p:childTnLst>
                         <p:par>
-                          <p:cTn id="22" fill="hold">
+                          <p:cTn id="24" fill="hold">
                             <p:stCondLst>
                               <p:cond delay="0"/>
                             </p:stCondLst>
                             <p:childTnLst>
                               <p:par>
-                                <p:cTn id="23" presetID="22" presetClass="entr" presetSubtype="8" fill="hold" grpId="0" nodeType="clickEffect">
+                                <p:cTn id="25" presetID="22" presetClass="entr" presetSubtype="8" fill="hold" grpId="0" nodeType="clickEffect">
                                   <p:stCondLst>
                                     <p:cond delay="0"/>
                                   </p:stCondLst>
                                   <p:childTnLst>
                                     <p:set>
                                       <p:cBhvr>
-                                        <p:cTn id="24" dur="1" fill="hold">
+                                        <p:cTn id="26" dur="1" fill="hold">
                                           <p:stCondLst>
                                             <p:cond delay="0"/>
                                           </p:stCondLst>
@@ -10671,7 +10874,7 @@
                                     </p:set>
                                     <p:animEffect transition="in" filter="wipe(left)">
                                       <p:cBhvr>
-                                        <p:cTn id="25" dur="500"/>
+                                        <p:cTn id="27" dur="500"/>
                                         <p:tgtEl>
                                           <p:spTgt spid="6"/>
                                         </p:tgtEl>
@@ -10687,26 +10890,26 @@
                     </p:cTn>
                   </p:par>
                   <p:par>
-                    <p:cTn id="26" fill="hold">
+                    <p:cTn id="28" fill="hold">
                       <p:stCondLst>
                         <p:cond delay="indefinite"/>
                       </p:stCondLst>
                       <p:childTnLst>
                         <p:par>
-                          <p:cTn id="27" fill="hold">
+                          <p:cTn id="29" fill="hold">
                             <p:stCondLst>
                               <p:cond delay="0"/>
                             </p:stCondLst>
                             <p:childTnLst>
                               <p:par>
-                                <p:cTn id="28" presetID="22" presetClass="entr" presetSubtype="8" fill="hold" grpId="0" nodeType="clickEffect">
+                                <p:cTn id="30" presetID="22" presetClass="entr" presetSubtype="8" fill="hold" grpId="0" nodeType="clickEffect">
                                   <p:stCondLst>
                                     <p:cond delay="0"/>
                                   </p:stCondLst>
                                   <p:childTnLst>
                                     <p:set>
                                       <p:cBhvr>
-                                        <p:cTn id="29" dur="1" fill="hold">
+                                        <p:cTn id="31" dur="1" fill="hold">
                                           <p:stCondLst>
                                             <p:cond delay="0"/>
                                           </p:stCondLst>
@@ -10724,7 +10927,7 @@
                                     </p:set>
                                     <p:animEffect transition="in" filter="wipe(left)">
                                       <p:cBhvr>
-                                        <p:cTn id="30" dur="500"/>
+                                        <p:cTn id="32" dur="500"/>
                                         <p:tgtEl>
                                           <p:spTgt spid="7"/>
                                         </p:tgtEl>
@@ -10740,26 +10943,26 @@
                     </p:cTn>
                   </p:par>
                   <p:par>
-                    <p:cTn id="31" fill="hold">
+                    <p:cTn id="33" fill="hold">
                       <p:stCondLst>
                         <p:cond delay="indefinite"/>
                       </p:stCondLst>
                       <p:childTnLst>
                         <p:par>
-                          <p:cTn id="32" fill="hold">
+                          <p:cTn id="34" fill="hold">
                             <p:stCondLst>
                               <p:cond delay="0"/>
                             </p:stCondLst>
                             <p:childTnLst>
                               <p:par>
-                                <p:cTn id="33" presetID="1" presetClass="entr" presetSubtype="0" fill="hold" nodeType="clickEffect">
+                                <p:cTn id="35" presetID="10" presetClass="entr" presetSubtype="0" fill="hold" nodeType="clickEffect">
                                   <p:stCondLst>
                                     <p:cond delay="0"/>
                                   </p:stCondLst>
                                   <p:childTnLst>
                                     <p:set>
                                       <p:cBhvr>
-                                        <p:cTn id="34" dur="1" fill="hold">
+                                        <p:cTn id="36" dur="1" fill="hold">
                                           <p:stCondLst>
                                             <p:cond delay="0"/>
                                           </p:stCondLst>
@@ -10779,6 +10982,18 @@
                                         <p:strVal val="visible"/>
                                       </p:to>
                                     </p:set>
+                                    <p:animEffect transition="in" filter="fade">
+                                      <p:cBhvr>
+                                        <p:cTn id="37" dur="500"/>
+                                        <p:tgtEl>
+                                          <p:spTgt spid="374787">
+                                            <p:txEl>
+                                              <p:pRg st="4" end="4"/>
+                                            </p:txEl>
+                                          </p:spTgt>
+                                        </p:tgtEl>
+                                      </p:cBhvr>
+                                    </p:animEffect>
                                   </p:childTnLst>
                                 </p:cTn>
                               </p:par>
@@ -10845,6 +11060,10 @@
           </p:nvPr>
         </p:nvSpPr>
         <p:spPr>
+          <a:xfrm>
+            <a:off x="7620000" y="6597650"/>
+            <a:ext cx="1524000" cy="276999"/>
+          </a:xfrm>
           <a:noFill/>
         </p:spPr>
         <p:txBody>
@@ -10853,11 +11072,11 @@
           <a:p>
             <a:r>
               <a:rPr lang="en-US" dirty="0" err="1" smtClean="0"/>
-              <a:t>lec</a:t>
+              <a:t>bijectcount</a:t>
             </a:r>
             <a:r>
               <a:rPr lang="en-US" dirty="0" smtClean="0"/>
-              <a:t> 10W.</a:t>
+              <a:t>.</a:t>
             </a:r>
             <a:fld id="{758C4126-0672-4A74-9D17-7F72C919EF15}" type="slidenum">
               <a:rPr lang="en-US" smtClean="0"/>
@@ -10960,7 +11179,19 @@
             </a:r>
             <a:r>
               <a:rPr lang="en-US" sz="5400" dirty="0" smtClean="0"/>
-              <a:t> one </a:t>
+              <a:t> </a:t>
+            </a:r>
+            <a:r>
+              <a:rPr lang="en-US" sz="5400" dirty="0" smtClean="0">
+                <a:solidFill>
+                  <a:srgbClr val="800000"/>
+                </a:solidFill>
+              </a:rPr>
+              <a:t>one</a:t>
+            </a:r>
+            <a:r>
+              <a:rPr lang="en-US" sz="5400" dirty="0" smtClean="0"/>
+              <a:t> </a:t>
             </a:r>
             <a:r>
               <a:rPr lang="en-US" sz="5400" dirty="0" smtClean="0">
@@ -11043,7 +11274,19 @@
             </a:r>
             <a:r>
               <a:rPr lang="en-US" sz="6000" dirty="0" smtClean="0"/>
-              <a:t>those w/ no </a:t>
+              <a:t>those w/ </a:t>
+            </a:r>
+            <a:r>
+              <a:rPr lang="en-US" sz="6000" dirty="0" smtClean="0">
+                <a:solidFill>
+                  <a:srgbClr val="FF0000"/>
+                </a:solidFill>
+              </a:rPr>
+              <a:t>no</a:t>
+            </a:r>
+            <a:r>
+              <a:rPr lang="en-US" sz="6000" dirty="0" smtClean="0"/>
+              <a:t> </a:t>
             </a:r>
             <a:r>
               <a:rPr lang="en-US" sz="6000" dirty="0" smtClean="0">
@@ -11136,7 +11379,7 @@
                             </p:stCondLst>
                             <p:childTnLst>
                               <p:par>
-                                <p:cTn id="5" presetID="1" presetClass="entr" presetSubtype="0" fill="hold" nodeType="clickEffect">
+                                <p:cTn id="5" presetID="10" presetClass="entr" presetSubtype="0" fill="hold" nodeType="clickEffect">
                                   <p:stCondLst>
                                     <p:cond delay="0"/>
                                   </p:stCondLst>
@@ -11163,6 +11406,18 @@
                                         <p:strVal val="visible"/>
                                       </p:to>
                                     </p:set>
+                                    <p:animEffect transition="in" filter="fade">
+                                      <p:cBhvr>
+                                        <p:cTn id="7" dur="500"/>
+                                        <p:tgtEl>
+                                          <p:spTgt spid="26628">
+                                            <p:txEl>
+                                              <p:pRg st="0" end="0"/>
+                                            </p:txEl>
+                                          </p:spTgt>
+                                        </p:tgtEl>
+                                      </p:cBhvr>
+                                    </p:animEffect>
                                   </p:childTnLst>
                                 </p:cTn>
                               </p:par>
@@ -11173,26 +11428,26 @@
                     </p:cTn>
                   </p:par>
                   <p:par>
-                    <p:cTn id="7" fill="hold">
+                    <p:cTn id="8" fill="hold">
                       <p:stCondLst>
                         <p:cond delay="indefinite"/>
                       </p:stCondLst>
                       <p:childTnLst>
                         <p:par>
-                          <p:cTn id="8" fill="hold">
+                          <p:cTn id="9" fill="hold">
                             <p:stCondLst>
                               <p:cond delay="0"/>
                             </p:stCondLst>
                             <p:childTnLst>
                               <p:par>
-                                <p:cTn id="9" presetID="1" presetClass="entr" presetSubtype="0" fill="hold" nodeType="clickEffect">
+                                <p:cTn id="10" presetID="10" presetClass="entr" presetSubtype="0" fill="hold" nodeType="clickEffect">
                                   <p:stCondLst>
                                     <p:cond delay="0"/>
                                   </p:stCondLst>
                                   <p:childTnLst>
                                     <p:set>
                                       <p:cBhvr>
-                                        <p:cTn id="10" dur="1" fill="hold">
+                                        <p:cTn id="11" dur="1" fill="hold">
                                           <p:stCondLst>
                                             <p:cond delay="0"/>
                                           </p:stCondLst>
@@ -11212,6 +11467,18 @@
                                         <p:strVal val="visible"/>
                                       </p:to>
                                     </p:set>
+                                    <p:animEffect transition="in" filter="fade">
+                                      <p:cBhvr>
+                                        <p:cTn id="12" dur="500"/>
+                                        <p:tgtEl>
+                                          <p:spTgt spid="26628">
+                                            <p:txEl>
+                                              <p:pRg st="1" end="1"/>
+                                            </p:txEl>
+                                          </p:spTgt>
+                                        </p:tgtEl>
+                                      </p:cBhvr>
+                                    </p:animEffect>
                                   </p:childTnLst>
                                 </p:cTn>
                               </p:par>
@@ -11222,26 +11489,26 @@
                     </p:cTn>
                   </p:par>
                   <p:par>
-                    <p:cTn id="11" fill="hold">
+                    <p:cTn id="13" fill="hold">
                       <p:stCondLst>
                         <p:cond delay="indefinite"/>
                       </p:stCondLst>
                       <p:childTnLst>
                         <p:par>
-                          <p:cTn id="12" fill="hold">
+                          <p:cTn id="14" fill="hold">
                             <p:stCondLst>
                               <p:cond delay="0"/>
                             </p:stCondLst>
                             <p:childTnLst>
                               <p:par>
-                                <p:cTn id="13" presetID="1" presetClass="entr" presetSubtype="0" fill="hold" nodeType="clickEffect">
+                                <p:cTn id="15" presetID="10" presetClass="entr" presetSubtype="0" fill="hold" nodeType="clickEffect">
                                   <p:stCondLst>
                                     <p:cond delay="0"/>
                                   </p:stCondLst>
                                   <p:childTnLst>
                                     <p:set>
                                       <p:cBhvr>
-                                        <p:cTn id="14" dur="1" fill="hold">
+                                        <p:cTn id="16" dur="1" fill="hold">
                                           <p:stCondLst>
                                             <p:cond delay="0"/>
                                           </p:stCondLst>
@@ -11261,6 +11528,18 @@
                                         <p:strVal val="visible"/>
                                       </p:to>
                                     </p:set>
+                                    <p:animEffect transition="in" filter="fade">
+                                      <p:cBhvr>
+                                        <p:cTn id="17" dur="500"/>
+                                        <p:tgtEl>
+                                          <p:spTgt spid="26628">
+                                            <p:txEl>
+                                              <p:pRg st="2" end="2"/>
+                                            </p:txEl>
+                                          </p:spTgt>
+                                        </p:tgtEl>
+                                      </p:cBhvr>
+                                    </p:animEffect>
                                   </p:childTnLst>
                                 </p:cTn>
                               </p:par>
@@ -11271,26 +11550,26 @@
                     </p:cTn>
                   </p:par>
                   <p:par>
-                    <p:cTn id="15" fill="hold">
+                    <p:cTn id="18" fill="hold">
                       <p:stCondLst>
                         <p:cond delay="indefinite"/>
                       </p:stCondLst>
                       <p:childTnLst>
                         <p:par>
-                          <p:cTn id="16" fill="hold">
+                          <p:cTn id="19" fill="hold">
                             <p:stCondLst>
                               <p:cond delay="0"/>
                             </p:stCondLst>
                             <p:childTnLst>
                               <p:par>
-                                <p:cTn id="17" presetID="22" presetClass="entr" presetSubtype="8" fill="hold" nodeType="clickEffect">
+                                <p:cTn id="20" presetID="22" presetClass="entr" presetSubtype="8" fill="hold" nodeType="clickEffect">
                                   <p:stCondLst>
                                     <p:cond delay="0"/>
                                   </p:stCondLst>
                                   <p:childTnLst>
                                     <p:set>
                                       <p:cBhvr>
-                                        <p:cTn id="18" dur="1" fill="hold">
+                                        <p:cTn id="21" dur="1" fill="hold">
                                           <p:stCondLst>
                                             <p:cond delay="0"/>
                                           </p:stCondLst>
@@ -11312,7 +11591,7 @@
                                     </p:set>
                                     <p:animEffect transition="in" filter="wipe(left)">
                                       <p:cBhvr>
-                                        <p:cTn id="19" dur="500"/>
+                                        <p:cTn id="22" dur="500"/>
                                         <p:tgtEl>
                                           <p:spTgt spid="26628">
                                             <p:txEl>
@@ -11384,6 +11663,10 @@
           </p:nvPr>
         </p:nvSpPr>
         <p:spPr>
+          <a:xfrm>
+            <a:off x="7620000" y="6597650"/>
+            <a:ext cx="1524000" cy="276999"/>
+          </a:xfrm>
           <a:noFill/>
         </p:spPr>
         <p:txBody>
@@ -11392,11 +11675,11 @@
           <a:p>
             <a:r>
               <a:rPr lang="en-US" dirty="0" err="1" smtClean="0"/>
-              <a:t>lec</a:t>
+              <a:t>bijectcount</a:t>
             </a:r>
             <a:r>
               <a:rPr lang="en-US" dirty="0" smtClean="0"/>
-              <a:t> 10W.</a:t>
+              <a:t>.</a:t>
             </a:r>
             <a:fld id="{C083AF42-063C-498D-8321-ACCF1AA5BDC8}" type="slidenum">
               <a:rPr lang="en-US" smtClean="0"/>
@@ -11893,6 +12176,10 @@
           </p:nvPr>
         </p:nvSpPr>
         <p:spPr>
+          <a:xfrm>
+            <a:off x="7620000" y="6597650"/>
+            <a:ext cx="1524000" cy="276999"/>
+          </a:xfrm>
           <a:noFill/>
         </p:spPr>
         <p:txBody>
@@ -11901,11 +12188,11 @@
           <a:p>
             <a:r>
               <a:rPr lang="en-US" dirty="0" err="1" smtClean="0"/>
-              <a:t>lec</a:t>
+              <a:t>bijectcount</a:t>
             </a:r>
             <a:r>
               <a:rPr lang="en-US" dirty="0" smtClean="0"/>
-              <a:t> 10W.</a:t>
+              <a:t>.</a:t>
             </a:r>
             <a:fld id="{3A1BEF78-D25F-4A13-A70B-7C8237869960}" type="slidenum">
               <a:rPr lang="en-US" smtClean="0"/>
@@ -13204,6 +13491,10 @@
           </p:nvPr>
         </p:nvSpPr>
         <p:spPr>
+          <a:xfrm>
+            <a:off x="7620000" y="6597650"/>
+            <a:ext cx="1524000" cy="276999"/>
+          </a:xfrm>
           <a:noFill/>
         </p:spPr>
         <p:txBody>
@@ -13212,11 +13503,11 @@
           <a:p>
             <a:r>
               <a:rPr lang="en-US" dirty="0" err="1" smtClean="0"/>
-              <a:t>lec</a:t>
+              <a:t>bijectcount</a:t>
             </a:r>
             <a:r>
               <a:rPr lang="en-US" dirty="0" smtClean="0"/>
-              <a:t> 10W.</a:t>
+              <a:t>.</a:t>
             </a:r>
             <a:fld id="{0E51962D-A185-4D99-A828-C299A0E68EB8}" type="slidenum">
               <a:rPr lang="en-US" smtClean="0"/>
@@ -14025,7 +14316,7 @@
           <a:graphicData uri="http://schemas.openxmlformats.org/presentationml/2006/ole">
             <mc:AlternateContent xmlns:mc="http://schemas.openxmlformats.org/markup-compatibility/2006">
               <mc:Choice xmlns:v="urn:schemas-microsoft-com:vml" Requires="v">
-                <p:oleObj spid="_x0000_s8214" name="Equation" r:id="rId4" imgW="1320800" imgH="533400" progId="Equation.3">
+                <p:oleObj spid="_x0000_s8220" name="Equation" r:id="rId4" imgW="1320800" imgH="533400" progId="Equation.3">
                   <p:embed/>
                 </p:oleObj>
               </mc:Choice>
@@ -14096,11 +14387,11 @@
           <a:p>
             <a:r>
               <a:rPr lang="en-US" dirty="0" err="1" smtClean="0"/>
-              <a:t>lec</a:t>
+              <a:t>bijectcount</a:t>
             </a:r>
             <a:r>
               <a:rPr lang="en-US" dirty="0" smtClean="0"/>
-              <a:t> 10W.</a:t>
+              <a:t>.</a:t>
             </a:r>
             <a:fld id="{2CE45375-A98A-46BD-BCF3-2BE85CEECAA3}" type="slidenum">
               <a:rPr lang="en-US" smtClean="0"/>
@@ -14666,13 +14957,13 @@
   <p:clrMapOvr>
     <a:masterClrMapping/>
   </p:clrMapOvr>
-  <mc:AlternateContent xmlns:mc="http://schemas.openxmlformats.org/markup-compatibility/2006">
-    <mc:Choice xmlns:p14="http://schemas.microsoft.com/office/powerpoint/2010/main" Requires="p14">
+  <mc:AlternateContent xmlns:mc="http://schemas.openxmlformats.org/markup-compatibility/2006" xmlns:p14="http://schemas.microsoft.com/office/powerpoint/2010/main">
+    <mc:Choice Requires="p14">
       <p:transition spd="slow" p14:dur="900" advClick="0">
         <p:fade/>
       </p:transition>
     </mc:Choice>
-    <mc:Fallback>
+    <mc:Fallback xmlns="">
       <p:transition xmlns:p14="http://schemas.microsoft.com/office/powerpoint/2010/main" spd="slow" advClick="0">
         <p:fade/>
       </p:transition>
@@ -14752,7 +15043,7 @@
                             </p:stCondLst>
                             <p:childTnLst>
                               <p:par>
-                                <p:cTn id="10" presetID="1" presetClass="entr" presetSubtype="0" fill="hold" grpId="0" nodeType="clickEffect">
+                                <p:cTn id="10" presetID="10" presetClass="entr" presetSubtype="0" fill="hold" grpId="0" nodeType="clickEffect">
                                   <p:stCondLst>
                                     <p:cond delay="0"/>
                                   </p:stCondLst>
@@ -14775,6 +15066,14 @@
                                         <p:strVal val="visible"/>
                                       </p:to>
                                     </p:set>
+                                    <p:animEffect transition="in" filter="fade">
+                                      <p:cBhvr>
+                                        <p:cTn id="12" dur="500"/>
+                                        <p:tgtEl>
+                                          <p:spTgt spid="8199"/>
+                                        </p:tgtEl>
+                                      </p:cBhvr>
+                                    </p:animEffect>
                                   </p:childTnLst>
                                 </p:cTn>
                               </p:par>
@@ -14785,26 +15084,26 @@
                     </p:cTn>
                   </p:par>
                   <p:par>
-                    <p:cTn id="12" fill="hold">
+                    <p:cTn id="13" fill="hold">
                       <p:stCondLst>
                         <p:cond delay="indefinite"/>
                       </p:stCondLst>
                       <p:childTnLst>
                         <p:par>
-                          <p:cTn id="13" fill="hold">
+                          <p:cTn id="14" fill="hold">
                             <p:stCondLst>
                               <p:cond delay="0"/>
                             </p:stCondLst>
                             <p:childTnLst>
                               <p:par>
-                                <p:cTn id="14" presetID="22" presetClass="entr" presetSubtype="1" fill="hold" grpId="1" nodeType="clickEffect">
+                                <p:cTn id="15" presetID="22" presetClass="entr" presetSubtype="1" fill="hold" grpId="1" nodeType="clickEffect">
                                   <p:stCondLst>
                                     <p:cond delay="0"/>
                                   </p:stCondLst>
                                   <p:childTnLst>
                                     <p:set>
                                       <p:cBhvr>
-                                        <p:cTn id="15" dur="1" fill="hold">
+                                        <p:cTn id="16" dur="1" fill="hold">
                                           <p:stCondLst>
                                             <p:cond delay="0"/>
                                           </p:stCondLst>
@@ -14822,7 +15121,7 @@
                                     </p:set>
                                     <p:animEffect transition="in" filter="wipe(up)">
                                       <p:cBhvr>
-                                        <p:cTn id="16" dur="1000"/>
+                                        <p:cTn id="17" dur="1000"/>
                                         <p:tgtEl>
                                           <p:spTgt spid="340998"/>
                                         </p:tgtEl>
@@ -14838,28 +15137,28 @@
                     </p:cTn>
                   </p:par>
                   <p:par>
-                    <p:cTn id="17" fill="hold">
+                    <p:cTn id="18" fill="hold">
                       <p:stCondLst>
                         <p:cond delay="indefinite"/>
                       </p:stCondLst>
                       <p:childTnLst>
                         <p:par>
-                          <p:cTn id="18" fill="hold">
+                          <p:cTn id="19" fill="hold">
                             <p:stCondLst>
                               <p:cond delay="0"/>
                             </p:stCondLst>
                             <p:childTnLst>
                               <p:par>
-                                <p:cTn id="19" presetID="1" presetClass="entr" presetSubtype="0" fill="hold" grpId="0" nodeType="clickEffect">
+                                <p:cTn id="20" presetID="10" presetClass="entr" presetSubtype="0" fill="hold" grpId="0" nodeType="clickEffect">
                                   <p:stCondLst>
                                     <p:cond delay="0"/>
                                   </p:stCondLst>
                                   <p:childTnLst>
                                     <p:set>
                                       <p:cBhvr>
-                                        <p:cTn id="20" dur="1" fill="hold">
+                                        <p:cTn id="21" dur="1" fill="hold">
                                           <p:stCondLst>
-                                            <p:cond delay="499"/>
+                                            <p:cond delay="0"/>
                                           </p:stCondLst>
                                         </p:cTn>
                                         <p:tgtEl>
@@ -14877,6 +15176,18 @@
                                         <p:strVal val="visible"/>
                                       </p:to>
                                     </p:set>
+                                    <p:animEffect transition="in" filter="fade">
+                                      <p:cBhvr>
+                                        <p:cTn id="22" dur="500"/>
+                                        <p:tgtEl>
+                                          <p:spTgt spid="341000">
+                                            <p:txEl>
+                                              <p:pRg st="0" end="0"/>
+                                            </p:txEl>
+                                          </p:spTgt>
+                                        </p:tgtEl>
+                                      </p:cBhvr>
+                                    </p:animEffect>
                                   </p:childTnLst>
                                 </p:cTn>
                               </p:par>
@@ -14887,28 +15198,28 @@
                     </p:cTn>
                   </p:par>
                   <p:par>
-                    <p:cTn id="21" fill="hold">
+                    <p:cTn id="23" fill="hold">
                       <p:stCondLst>
                         <p:cond delay="indefinite"/>
                       </p:stCondLst>
                       <p:childTnLst>
                         <p:par>
-                          <p:cTn id="22" fill="hold">
+                          <p:cTn id="24" fill="hold">
                             <p:stCondLst>
                               <p:cond delay="0"/>
                             </p:stCondLst>
                             <p:childTnLst>
                               <p:par>
-                                <p:cTn id="23" presetID="1" presetClass="entr" presetSubtype="0" fill="hold" grpId="0" nodeType="clickEffect">
+                                <p:cTn id="25" presetID="10" presetClass="entr" presetSubtype="0" fill="hold" grpId="0" nodeType="clickEffect">
                                   <p:stCondLst>
                                     <p:cond delay="0"/>
                                   </p:stCondLst>
                                   <p:childTnLst>
                                     <p:set>
                                       <p:cBhvr>
-                                        <p:cTn id="24" dur="1" fill="hold">
+                                        <p:cTn id="26" dur="1" fill="hold">
                                           <p:stCondLst>
-                                            <p:cond delay="499"/>
+                                            <p:cond delay="0"/>
                                           </p:stCondLst>
                                         </p:cTn>
                                         <p:tgtEl>
@@ -14926,6 +15237,18 @@
                                         <p:strVal val="visible"/>
                                       </p:to>
                                     </p:set>
+                                    <p:animEffect transition="in" filter="fade">
+                                      <p:cBhvr>
+                                        <p:cTn id="27" dur="500"/>
+                                        <p:tgtEl>
+                                          <p:spTgt spid="341000">
+                                            <p:txEl>
+                                              <p:pRg st="1" end="1"/>
+                                            </p:txEl>
+                                          </p:spTgt>
+                                        </p:tgtEl>
+                                      </p:cBhvr>
+                                    </p:animEffect>
                                   </p:childTnLst>
                                 </p:cTn>
                               </p:par>
@@ -14936,26 +15259,26 @@
                     </p:cTn>
                   </p:par>
                   <p:par>
-                    <p:cTn id="25" fill="hold">
+                    <p:cTn id="28" fill="hold">
                       <p:stCondLst>
                         <p:cond delay="indefinite"/>
                       </p:stCondLst>
                       <p:childTnLst>
                         <p:par>
-                          <p:cTn id="26" fill="hold">
+                          <p:cTn id="29" fill="hold">
                             <p:stCondLst>
                               <p:cond delay="0"/>
                             </p:stCondLst>
                             <p:childTnLst>
                               <p:par>
-                                <p:cTn id="27" presetID="49" presetClass="entr" presetSubtype="0" decel="100000" fill="hold" nodeType="clickEffect">
+                                <p:cTn id="30" presetID="49" presetClass="entr" presetSubtype="0" decel="100000" fill="hold" nodeType="clickEffect">
                                   <p:stCondLst>
                                     <p:cond delay="0"/>
                                   </p:stCondLst>
                                   <p:childTnLst>
                                     <p:set>
                                       <p:cBhvr>
-                                        <p:cTn id="28" dur="1" fill="hold">
+                                        <p:cTn id="31" dur="1" fill="hold">
                                           <p:stCondLst>
                                             <p:cond delay="0"/>
                                           </p:stCondLst>
@@ -14973,7 +15296,7 @@
                                     </p:set>
                                     <p:anim calcmode="lin" valueType="num">
                                       <p:cBhvr>
-                                        <p:cTn id="29" dur="500" fill="hold"/>
+                                        <p:cTn id="32" dur="500" fill="hold"/>
                                         <p:tgtEl>
                                           <p:spTgt spid="341001"/>
                                         </p:tgtEl>
@@ -14996,7 +15319,7 @@
                                     </p:anim>
                                     <p:anim calcmode="lin" valueType="num">
                                       <p:cBhvr>
-                                        <p:cTn id="30" dur="500" fill="hold"/>
+                                        <p:cTn id="33" dur="500" fill="hold"/>
                                         <p:tgtEl>
                                           <p:spTgt spid="341001"/>
                                         </p:tgtEl>
@@ -15019,7 +15342,7 @@
                                     </p:anim>
                                     <p:anim calcmode="lin" valueType="num">
                                       <p:cBhvr>
-                                        <p:cTn id="31" dur="500" fill="hold"/>
+                                        <p:cTn id="34" dur="500" fill="hold"/>
                                         <p:tgtEl>
                                           <p:spTgt spid="341001"/>
                                         </p:tgtEl>
@@ -15042,7 +15365,7 @@
                                     </p:anim>
                                     <p:animEffect transition="in" filter="fade">
                                       <p:cBhvr>
-                                        <p:cTn id="32" dur="500"/>
+                                        <p:cTn id="35" dur="500"/>
                                         <p:tgtEl>
                                           <p:spTgt spid="341001"/>
                                         </p:tgtEl>
@@ -15128,11 +15451,11 @@
           <a:p>
             <a:r>
               <a:rPr lang="en-US" dirty="0" err="1" smtClean="0"/>
-              <a:t>lec</a:t>
+              <a:t>bijectcount</a:t>
             </a:r>
             <a:r>
               <a:rPr lang="en-US" dirty="0" smtClean="0"/>
-              <a:t> 10W.</a:t>
+              <a:t>.</a:t>
             </a:r>
             <a:fld id="{2CE45375-A98A-46BD-BCF3-2BE85CEECAA3}" type="slidenum">
               <a:rPr lang="en-US" smtClean="0"/>
@@ -15284,13 +15607,13 @@
   <p:clrMapOvr>
     <a:masterClrMapping/>
   </p:clrMapOvr>
-  <mc:AlternateContent xmlns:mc="http://schemas.openxmlformats.org/markup-compatibility/2006">
-    <mc:Choice xmlns:p14="http://schemas.microsoft.com/office/powerpoint/2010/main" Requires="p14">
+  <mc:AlternateContent xmlns:mc="http://schemas.openxmlformats.org/markup-compatibility/2006" xmlns:p14="http://schemas.microsoft.com/office/powerpoint/2010/main">
+    <mc:Choice Requires="p14">
       <p:transition spd="slow" p14:dur="900" advClick="0">
         <p:fade/>
       </p:transition>
     </mc:Choice>
-    <mc:Fallback>
+    <mc:Fallback xmlns="">
       <p:transition xmlns:p14="http://schemas.microsoft.com/office/powerpoint/2010/main" spd="slow" advClick="0">
         <p:fade/>
       </p:transition>
@@ -15346,11 +15669,11 @@
           <a:p>
             <a:r>
               <a:rPr lang="en-US" sz="1050" dirty="0" err="1" smtClean="0"/>
-              <a:t>lec</a:t>
+              <a:t>bijectcount</a:t>
             </a:r>
             <a:r>
               <a:rPr lang="en-US" sz="1050" dirty="0" smtClean="0"/>
-              <a:t> 10W.</a:t>
+              <a:t>.</a:t>
             </a:r>
             <a:fld id="{E53DAB80-C578-4077-948A-EA14497F2876}" type="slidenum">
               <a:rPr lang="en-US" sz="1050" smtClean="0"/>
@@ -15608,7 +15931,7 @@
             <a:graphicData uri="http://schemas.openxmlformats.org/presentationml/2006/ole">
               <mc:AlternateContent xmlns:mc="http://schemas.openxmlformats.org/markup-compatibility/2006">
                 <mc:Choice xmlns:v="urn:schemas-microsoft-com:vml" Requires="v">
-                  <p:oleObj spid="_x0000_s9246" name="Equation" r:id="rId4" imgW="1943100" imgH="457200" progId="Equation.DSMT4">
+                  <p:oleObj spid="_x0000_s9251" name="Equation" r:id="rId4" imgW="1943100" imgH="457200" progId="Equation.DSMT4">
                     <p:embed/>
                   </p:oleObj>
                 </mc:Choice>
@@ -15971,7 +16294,7 @@
           <a:graphicData uri="http://schemas.openxmlformats.org/presentationml/2006/ole">
             <mc:AlternateContent xmlns:mc="http://schemas.openxmlformats.org/markup-compatibility/2006">
               <mc:Choice xmlns:v="urn:schemas-microsoft-com:vml" Requires="v">
-                <p:oleObj spid="_x0000_s95256" name="Equation" r:id="rId4" imgW="1943100" imgH="457200" progId="Equation.DSMT4">
+                <p:oleObj spid="_x0000_s95261" name="Equation" r:id="rId4" imgW="1943100" imgH="457200" progId="Equation.DSMT4">
                   <p:embed/>
                 </p:oleObj>
               </mc:Choice>
@@ -16036,6 +16359,10 @@
           </p:nvPr>
         </p:nvSpPr>
         <p:spPr>
+          <a:xfrm>
+            <a:off x="7620000" y="6597650"/>
+            <a:ext cx="1524000" cy="276999"/>
+          </a:xfrm>
           <a:noFill/>
         </p:spPr>
         <p:txBody>
@@ -16044,11 +16371,11 @@
           <a:p>
             <a:r>
               <a:rPr lang="en-US" dirty="0" err="1" smtClean="0"/>
-              <a:t>lec</a:t>
+              <a:t>bijectcount</a:t>
             </a:r>
             <a:r>
               <a:rPr lang="en-US" dirty="0" smtClean="0"/>
-              <a:t> 10W.</a:t>
+              <a:t>.</a:t>
             </a:r>
             <a:fld id="{AEBBE140-696B-4ED3-9F77-625F9EBC9681}" type="slidenum">
               <a:rPr lang="en-US" smtClean="0"/>
@@ -16705,7 +17032,7 @@
           <a:graphicData uri="http://schemas.openxmlformats.org/presentationml/2006/ole">
             <mc:AlternateContent xmlns:mc="http://schemas.openxmlformats.org/markup-compatibility/2006">
               <mc:Choice xmlns:v="urn:schemas-microsoft-com:vml" Requires="v">
-                <p:oleObj spid="_x0000_s119831" name="Equation" r:id="rId4" imgW="1943100" imgH="457200" progId="Equation.DSMT4">
+                <p:oleObj spid="_x0000_s119836" name="Equation" r:id="rId4" imgW="1943100" imgH="457200" progId="Equation.DSMT4">
                   <p:embed/>
                 </p:oleObj>
               </mc:Choice>
@@ -17192,6 +17519,10 @@
           </p:nvPr>
         </p:nvSpPr>
         <p:spPr>
+          <a:xfrm>
+            <a:off x="7620000" y="6597650"/>
+            <a:ext cx="1524000" cy="276999"/>
+          </a:xfrm>
           <a:noFill/>
         </p:spPr>
         <p:txBody>
@@ -17200,11 +17531,11 @@
           <a:p>
             <a:r>
               <a:rPr lang="en-US" dirty="0" err="1" smtClean="0"/>
-              <a:t>lec</a:t>
+              <a:t>bijectcount</a:t>
             </a:r>
             <a:r>
               <a:rPr lang="en-US" dirty="0" smtClean="0"/>
-              <a:t> 10W.</a:t>
+              <a:t>.</a:t>
             </a:r>
             <a:fld id="{AEBBE140-696B-4ED3-9F77-625F9EBC9681}" type="slidenum">
               <a:rPr lang="en-US" smtClean="0"/>
@@ -17544,6 +17875,10 @@
           </p:nvPr>
         </p:nvSpPr>
         <p:spPr>
+          <a:xfrm>
+            <a:off x="7620000" y="6597650"/>
+            <a:ext cx="1524000" cy="276999"/>
+          </a:xfrm>
           <a:noFill/>
         </p:spPr>
         <p:txBody>
@@ -17552,11 +17887,11 @@
           <a:p>
             <a:r>
               <a:rPr lang="en-US" dirty="0" err="1" smtClean="0"/>
-              <a:t>lec</a:t>
+              <a:t>bijectcount</a:t>
             </a:r>
             <a:r>
               <a:rPr lang="en-US" dirty="0" smtClean="0"/>
-              <a:t> 10W.</a:t>
+              <a:t>.</a:t>
             </a:r>
             <a:fld id="{AEBBE140-696B-4ED3-9F77-625F9EBC9681}" type="slidenum">
               <a:rPr lang="en-US" smtClean="0"/>
@@ -17689,7 +18024,7 @@
           <a:graphicData uri="http://schemas.openxmlformats.org/presentationml/2006/ole">
             <mc:AlternateContent xmlns:mc="http://schemas.openxmlformats.org/markup-compatibility/2006">
               <mc:Choice xmlns:v="urn:schemas-microsoft-com:vml" Requires="v">
-                <p:oleObj spid="_x0000_s144411" name="Equation" r:id="rId4" imgW="1943100" imgH="457200" progId="Equation.DSMT4">
+                <p:oleObj spid="_x0000_s144416" name="Equation" r:id="rId4" imgW="1943100" imgH="457200" progId="Equation.DSMT4">
                   <p:embed/>
                 </p:oleObj>
               </mc:Choice>
@@ -18213,13 +18548,13 @@
   <p:clrMapOvr>
     <a:masterClrMapping/>
   </p:clrMapOvr>
-  <mc:AlternateContent xmlns:mc="http://schemas.openxmlformats.org/markup-compatibility/2006">
-    <mc:Choice xmlns:p14="http://schemas.microsoft.com/office/powerpoint/2010/main" Requires="p14">
+  <mc:AlternateContent xmlns:mc="http://schemas.openxmlformats.org/markup-compatibility/2006" xmlns:p14="http://schemas.microsoft.com/office/powerpoint/2010/main">
+    <mc:Choice Requires="p14">
       <p:transition spd="slow" p14:dur="900" advClick="0">
         <p:fade/>
       </p:transition>
     </mc:Choice>
-    <mc:Fallback>
+    <mc:Fallback xmlns="">
       <p:transition xmlns:p14="http://schemas.microsoft.com/office/powerpoint/2010/main" spd="slow" advClick="0">
         <p:fade/>
       </p:transition>
@@ -18563,6 +18898,10 @@
           </p:nvPr>
         </p:nvSpPr>
         <p:spPr>
+          <a:xfrm>
+            <a:off x="7620000" y="6597650"/>
+            <a:ext cx="1524000" cy="276999"/>
+          </a:xfrm>
           <a:noFill/>
         </p:spPr>
         <p:txBody>
@@ -18571,11 +18910,11 @@
           <a:p>
             <a:r>
               <a:rPr lang="en-US" dirty="0" err="1" smtClean="0"/>
-              <a:t>lec</a:t>
+              <a:t>bijectcount</a:t>
             </a:r>
             <a:r>
               <a:rPr lang="en-US" dirty="0" smtClean="0"/>
-              <a:t> 10W.</a:t>
+              <a:t>.</a:t>
             </a:r>
             <a:fld id="{F6382285-46B9-4638-A756-AEAB0B54955F}" type="slidenum">
               <a:rPr lang="en-US" smtClean="0"/>
@@ -18917,7 +19256,7 @@
           <a:graphicData uri="http://schemas.openxmlformats.org/presentationml/2006/ole">
             <mc:AlternateContent xmlns:mc="http://schemas.openxmlformats.org/markup-compatibility/2006">
               <mc:Choice xmlns:v="urn:schemas-microsoft-com:vml" Requires="v">
-                <p:oleObj spid="_x0000_s11285" name="Equation" r:id="rId4" imgW="469800" imgH="253800" progId="Equation.DSMT4">
+                <p:oleObj spid="_x0000_s11291" name="Equation" r:id="rId4" imgW="469800" imgH="253800" progId="Equation.DSMT4">
                   <p:embed/>
                 </p:oleObj>
               </mc:Choice>
@@ -19010,18 +19349,9 @@
   <p:clrMapOvr>
     <a:masterClrMapping/>
   </p:clrMapOvr>
-  <mc:AlternateContent xmlns:mc="http://schemas.openxmlformats.org/markup-compatibility/2006">
-    <mc:Choice xmlns:p14="http://schemas.microsoft.com/office/powerpoint/2010/main" Requires="p14">
-      <p:transition spd="slow" p14:dur="900" advClick="0">
-        <p:fade/>
-      </p:transition>
-    </mc:Choice>
-    <mc:Fallback>
-      <p:transition xmlns:p14="http://schemas.microsoft.com/office/powerpoint/2010/main" spd="slow" advClick="0">
-        <p:fade/>
-      </p:transition>
-    </mc:Fallback>
-  </mc:AlternateContent>
+  <p:transition xmlns:p14="http://schemas.microsoft.com/office/powerpoint/2010/main" spd="slow" advClick="0">
+    <p:fade thruBlk="1"/>
+  </p:transition>
   <p:timing>
     <p:tnLst>
       <p:par>
@@ -19043,7 +19373,7 @@
                             </p:stCondLst>
                             <p:childTnLst>
                               <p:par>
-                                <p:cTn id="5" presetID="1" presetClass="entr" presetSubtype="0" fill="hold" nodeType="clickEffect">
+                                <p:cTn id="5" presetID="10" presetClass="entr" presetSubtype="0" fill="hold" nodeType="clickEffect">
                                   <p:stCondLst>
                                     <p:cond delay="0"/>
                                   </p:stCondLst>
@@ -19070,6 +19400,18 @@
                                         <p:strVal val="visible"/>
                                       </p:to>
                                     </p:set>
+                                    <p:animEffect transition="in" filter="fade">
+                                      <p:cBhvr>
+                                        <p:cTn id="7" dur="500"/>
+                                        <p:tgtEl>
+                                          <p:spTgt spid="11270">
+                                            <p:txEl>
+                                              <p:pRg st="1" end="1"/>
+                                            </p:txEl>
+                                          </p:spTgt>
+                                        </p:tgtEl>
+                                      </p:cBhvr>
+                                    </p:animEffect>
                                   </p:childTnLst>
                                 </p:cTn>
                               </p:par>
@@ -19077,20 +19419,20 @@
                           </p:cTn>
                         </p:par>
                         <p:par>
-                          <p:cTn id="7" fill="hold">
+                          <p:cTn id="8" fill="hold">
                             <p:stCondLst>
-                              <p:cond delay="0"/>
+                              <p:cond delay="500"/>
                             </p:stCondLst>
                             <p:childTnLst>
                               <p:par>
-                                <p:cTn id="8" presetID="22" presetClass="entr" presetSubtype="8" fill="hold" grpId="0" nodeType="afterEffect">
+                                <p:cTn id="9" presetID="22" presetClass="entr" presetSubtype="8" fill="hold" grpId="0" nodeType="afterEffect">
                                   <p:stCondLst>
                                     <p:cond delay="0"/>
                                   </p:stCondLst>
                                   <p:childTnLst>
                                     <p:set>
                                       <p:cBhvr>
-                                        <p:cTn id="9" dur="1" fill="hold">
+                                        <p:cTn id="10" dur="1" fill="hold">
                                           <p:stCondLst>
                                             <p:cond delay="0"/>
                                           </p:stCondLst>
@@ -19108,7 +19450,7 @@
                                     </p:set>
                                     <p:animEffect transition="in" filter="wipe(left)">
                                       <p:cBhvr>
-                                        <p:cTn id="10" dur="1000"/>
+                                        <p:cTn id="11" dur="1000"/>
                                         <p:tgtEl>
                                           <p:spTgt spid="381961"/>
                                         </p:tgtEl>
@@ -19124,26 +19466,26 @@
                     </p:cTn>
                   </p:par>
                   <p:par>
-                    <p:cTn id="11" fill="hold">
+                    <p:cTn id="12" fill="hold">
                       <p:stCondLst>
                         <p:cond delay="indefinite"/>
                       </p:stCondLst>
                       <p:childTnLst>
                         <p:par>
-                          <p:cTn id="12" fill="hold">
+                          <p:cTn id="13" fill="hold">
                             <p:stCondLst>
                               <p:cond delay="0"/>
                             </p:stCondLst>
                             <p:childTnLst>
                               <p:par>
-                                <p:cTn id="13" presetID="1" presetClass="entr" presetSubtype="0" fill="hold" grpId="0" nodeType="clickEffect">
+                                <p:cTn id="14" presetID="10" presetClass="entr" presetSubtype="0" fill="hold" grpId="0" nodeType="clickEffect">
                                   <p:stCondLst>
                                     <p:cond delay="0"/>
                                   </p:stCondLst>
                                   <p:childTnLst>
                                     <p:set>
                                       <p:cBhvr>
-                                        <p:cTn id="14" dur="1" fill="hold">
+                                        <p:cTn id="15" dur="1" fill="hold">
                                           <p:stCondLst>
                                             <p:cond delay="0"/>
                                           </p:stCondLst>
@@ -19159,6 +19501,14 @@
                                         <p:strVal val="visible"/>
                                       </p:to>
                                     </p:set>
+                                    <p:animEffect transition="in" filter="fade">
+                                      <p:cBhvr>
+                                        <p:cTn id="16" dur="500"/>
+                                        <p:tgtEl>
+                                          <p:spTgt spid="8"/>
+                                        </p:tgtEl>
+                                      </p:cBhvr>
+                                    </p:animEffect>
                                   </p:childTnLst>
                                 </p:cTn>
                               </p:par>
@@ -19166,20 +19516,20 @@
                           </p:cTn>
                         </p:par>
                         <p:par>
-                          <p:cTn id="15" fill="hold">
+                          <p:cTn id="17" fill="hold">
                             <p:stCondLst>
-                              <p:cond delay="0"/>
+                              <p:cond delay="500"/>
                             </p:stCondLst>
                             <p:childTnLst>
                               <p:par>
-                                <p:cTn id="16" presetID="9" presetClass="entr" presetSubtype="0" fill="hold" nodeType="afterEffect">
+                                <p:cTn id="18" presetID="10" presetClass="entr" presetSubtype="0" fill="hold" nodeType="afterEffect">
                                   <p:stCondLst>
                                     <p:cond delay="0"/>
                                   </p:stCondLst>
                                   <p:childTnLst>
                                     <p:set>
                                       <p:cBhvr>
-                                        <p:cTn id="17" dur="1" fill="hold">
+                                        <p:cTn id="19" dur="1" fill="hold">
                                           <p:stCondLst>
                                             <p:cond delay="0"/>
                                           </p:stCondLst>
@@ -19195,9 +19545,9 @@
                                         <p:strVal val="visible"/>
                                       </p:to>
                                     </p:set>
-                                    <p:animEffect transition="in" filter="dissolve">
+                                    <p:animEffect transition="in" filter="fade">
                                       <p:cBhvr>
-                                        <p:cTn id="18" dur="500"/>
+                                        <p:cTn id="20" dur="500"/>
                                         <p:tgtEl>
                                           <p:spTgt spid="381962"/>
                                         </p:tgtEl>
@@ -19281,11 +19631,11 @@
           <a:p>
             <a:r>
               <a:rPr lang="en-US" sz="1100" dirty="0" err="1" smtClean="0"/>
-              <a:t>lec</a:t>
+              <a:t>bijectcount</a:t>
             </a:r>
             <a:r>
               <a:rPr lang="en-US" sz="1100" dirty="0" smtClean="0"/>
-              <a:t> 10W.</a:t>
+              <a:t>.</a:t>
             </a:r>
             <a:fld id="{8F3B4E78-0FD9-4D6D-9794-087966C32840}" type="slidenum">
               <a:rPr lang="en-US" sz="1100" smtClean="0"/>
@@ -19619,13 +19969,13 @@
   <p:clrMapOvr>
     <a:masterClrMapping/>
   </p:clrMapOvr>
-  <mc:AlternateContent xmlns:mc="http://schemas.openxmlformats.org/markup-compatibility/2006">
-    <mc:Choice xmlns:p14="http://schemas.microsoft.com/office/powerpoint/2010/main" Requires="p14">
+  <mc:AlternateContent xmlns:mc="http://schemas.openxmlformats.org/markup-compatibility/2006" xmlns:p14="http://schemas.microsoft.com/office/powerpoint/2010/main">
+    <mc:Choice Requires="p14">
       <p:transition spd="slow" p14:dur="900" advClick="0">
         <p:fade/>
       </p:transition>
     </mc:Choice>
-    <mc:Fallback>
+    <mc:Fallback xmlns="">
       <p:transition xmlns:p14="http://schemas.microsoft.com/office/powerpoint/2010/main" spd="slow" advClick="0">
         <p:fade/>
       </p:transition>
@@ -19745,6 +20095,10 @@
           </p:nvPr>
         </p:nvSpPr>
         <p:spPr>
+          <a:xfrm>
+            <a:off x="7620000" y="6597650"/>
+            <a:ext cx="1524000" cy="276999"/>
+          </a:xfrm>
           <a:noFill/>
         </p:spPr>
         <p:txBody>
@@ -19753,11 +20107,11 @@
           <a:p>
             <a:r>
               <a:rPr lang="en-US" dirty="0" err="1" smtClean="0"/>
-              <a:t>lec</a:t>
+              <a:t>bijectcount</a:t>
             </a:r>
             <a:r>
               <a:rPr lang="en-US" dirty="0" smtClean="0"/>
-              <a:t> 10W.</a:t>
+              <a:t>.</a:t>
             </a:r>
             <a:fld id="{E724F065-34A1-4E2F-BB17-E3787F8CEBB1}" type="slidenum">
               <a:rPr lang="en-US" smtClean="0"/>
@@ -19972,6 +20326,10 @@
           </p:nvPr>
         </p:nvSpPr>
         <p:spPr>
+          <a:xfrm>
+            <a:off x="7620000" y="6597650"/>
+            <a:ext cx="1524000" cy="276999"/>
+          </a:xfrm>
           <a:noFill/>
         </p:spPr>
         <p:txBody>
@@ -19980,11 +20338,11 @@
           <a:p>
             <a:r>
               <a:rPr lang="en-US" dirty="0" err="1" smtClean="0"/>
-              <a:t>lec</a:t>
+              <a:t>bijectcount</a:t>
             </a:r>
             <a:r>
               <a:rPr lang="en-US" dirty="0" smtClean="0"/>
-              <a:t> 10W.</a:t>
+              <a:t>.</a:t>
             </a:r>
             <a:fld id="{C38EFF70-A23C-4A5E-8861-2243249243FE}" type="slidenum">
               <a:rPr lang="en-US" smtClean="0"/>
@@ -20133,13 +20491,13 @@
   <p:clrMapOvr>
     <a:masterClrMapping/>
   </p:clrMapOvr>
-  <mc:AlternateContent xmlns:mc="http://schemas.openxmlformats.org/markup-compatibility/2006">
-    <mc:Choice xmlns:p14="http://schemas.microsoft.com/office/powerpoint/2010/main" Requires="p14">
+  <mc:AlternateContent xmlns:mc="http://schemas.openxmlformats.org/markup-compatibility/2006" xmlns:p14="http://schemas.microsoft.com/office/powerpoint/2010/main">
+    <mc:Choice Requires="p14">
       <p:transition spd="slow" p14:dur="900" advClick="0">
         <p:fade/>
       </p:transition>
     </mc:Choice>
-    <mc:Fallback>
+    <mc:Fallback xmlns="">
       <p:transition xmlns:p14="http://schemas.microsoft.com/office/powerpoint/2010/main" spd="slow" advClick="0">
         <p:fade/>
       </p:transition>
@@ -20491,7 +20849,7 @@
         <p:spPr>
           <a:xfrm>
             <a:off x="7620000" y="6597650"/>
-            <a:ext cx="1524000" cy="274638"/>
+            <a:ext cx="1524000" cy="276999"/>
           </a:xfrm>
           <a:noFill/>
         </p:spPr>
@@ -20501,11 +20859,11 @@
           <a:p>
             <a:r>
               <a:rPr lang="en-US" dirty="0" err="1" smtClean="0"/>
-              <a:t>lec</a:t>
+              <a:t>bijectcount</a:t>
             </a:r>
             <a:r>
               <a:rPr lang="en-US" dirty="0" smtClean="0"/>
-              <a:t> 10W.</a:t>
+              <a:t>.</a:t>
             </a:r>
             <a:fld id="{F5E7BC75-7CCD-43B9-9102-762D8D8CA728}" type="slidenum">
               <a:rPr lang="en-US" smtClean="0"/>
@@ -20521,13 +20879,13 @@
   <p:clrMapOvr>
     <a:masterClrMapping/>
   </p:clrMapOvr>
-  <mc:AlternateContent xmlns:mc="http://schemas.openxmlformats.org/markup-compatibility/2006">
-    <mc:Choice xmlns:p14="http://schemas.microsoft.com/office/powerpoint/2010/main" Requires="p14">
+  <mc:AlternateContent xmlns:mc="http://schemas.openxmlformats.org/markup-compatibility/2006" xmlns:p14="http://schemas.microsoft.com/office/powerpoint/2010/main">
+    <mc:Choice Requires="p14">
       <p:transition spd="slow" p14:dur="900" advClick="0">
         <p:fade/>
       </p:transition>
     </mc:Choice>
-    <mc:Fallback>
+    <mc:Fallback xmlns="">
       <p:transition xmlns:p14="http://schemas.microsoft.com/office/powerpoint/2010/main" spd="slow" advClick="0">
         <p:fade/>
       </p:transition>
@@ -20658,6 +21016,10 @@
           </p:nvPr>
         </p:nvSpPr>
         <p:spPr>
+          <a:xfrm>
+            <a:off x="7620000" y="6597650"/>
+            <a:ext cx="1524000" cy="276999"/>
+          </a:xfrm>
           <a:noFill/>
         </p:spPr>
         <p:txBody>
@@ -20666,11 +21028,11 @@
           <a:p>
             <a:r>
               <a:rPr lang="en-US" dirty="0" err="1" smtClean="0"/>
-              <a:t>lec</a:t>
+              <a:t>bijectcount</a:t>
             </a:r>
             <a:r>
               <a:rPr lang="en-US" dirty="0" smtClean="0"/>
-              <a:t> 10W.</a:t>
+              <a:t>.</a:t>
             </a:r>
             <a:fld id="{F5E7BC75-7CCD-43B9-9102-762D8D8CA728}" type="slidenum">
               <a:rPr lang="en-US" smtClean="0"/>
@@ -23211,6 +23573,10 @@
           </p:nvPr>
         </p:nvSpPr>
         <p:spPr>
+          <a:xfrm>
+            <a:off x="7620000" y="6597650"/>
+            <a:ext cx="1524000" cy="276999"/>
+          </a:xfrm>
           <a:noFill/>
         </p:spPr>
         <p:txBody>
@@ -23219,11 +23585,11 @@
           <a:p>
             <a:r>
               <a:rPr lang="en-US" dirty="0" err="1" smtClean="0"/>
-              <a:t>lec</a:t>
+              <a:t>bijectcount</a:t>
             </a:r>
             <a:r>
               <a:rPr lang="en-US" dirty="0" smtClean="0"/>
-              <a:t> 10W.</a:t>
+              <a:t>.</a:t>
             </a:r>
             <a:fld id="{51B5FB57-820D-4FCE-AE7E-3D18D1451027}" type="slidenum">
               <a:rPr lang="en-US" smtClean="0"/>
@@ -23898,30 +24264,21 @@
                             </p:childTnLst>
                           </p:cTn>
                         </p:par>
-                      </p:childTnLst>
-                    </p:cTn>
-                  </p:par>
-                  <p:par>
-                    <p:cTn id="17" fill="hold">
-                      <p:stCondLst>
-                        <p:cond delay="indefinite"/>
-                      </p:stCondLst>
-                      <p:childTnLst>
                         <p:par>
-                          <p:cTn id="18" fill="hold">
+                          <p:cTn id="17" fill="hold">
                             <p:stCondLst>
-                              <p:cond delay="0"/>
+                              <p:cond delay="1000"/>
                             </p:stCondLst>
                             <p:childTnLst>
                               <p:par>
-                                <p:cTn id="19" presetID="9" presetClass="entr" presetSubtype="0" fill="hold" grpId="0" nodeType="clickEffect">
+                                <p:cTn id="18" presetID="9" presetClass="entr" presetSubtype="0" fill="hold" grpId="0" nodeType="afterEffect">
                                   <p:stCondLst>
                                     <p:cond delay="0"/>
                                   </p:stCondLst>
                                   <p:childTnLst>
                                     <p:set>
                                       <p:cBhvr>
-                                        <p:cTn id="20" dur="1" fill="hold">
+                                        <p:cTn id="19" dur="1" fill="hold">
                                           <p:stCondLst>
                                             <p:cond delay="0"/>
                                           </p:stCondLst>
@@ -23939,7 +24296,7 @@
                                     </p:set>
                                     <p:animEffect transition="in" filter="dissolve">
                                       <p:cBhvr>
-                                        <p:cTn id="21" dur="500"/>
+                                        <p:cTn id="20" dur="1000"/>
                                         <p:tgtEl>
                                           <p:spTgt spid="14"/>
                                         </p:tgtEl>
@@ -24023,11 +24380,11 @@
           <a:p>
             <a:r>
               <a:rPr lang="en-US" sz="1100" dirty="0" err="1" smtClean="0"/>
-              <a:t>lec</a:t>
+              <a:t>bijectcount</a:t>
             </a:r>
             <a:r>
               <a:rPr lang="en-US" sz="1100" dirty="0" smtClean="0"/>
-              <a:t> 10W.</a:t>
+              <a:t>.</a:t>
             </a:r>
             <a:fld id="{8C9AB104-7168-4BC9-BC2B-31EA894A1A1E}" type="slidenum">
               <a:rPr lang="en-US" sz="1100" smtClean="0"/>
@@ -24132,13 +24489,13 @@
   <p:clrMapOvr>
     <a:masterClrMapping/>
   </p:clrMapOvr>
-  <mc:AlternateContent xmlns:mc="http://schemas.openxmlformats.org/markup-compatibility/2006">
-    <mc:Choice xmlns:p14="http://schemas.microsoft.com/office/powerpoint/2010/main" Requires="p14">
+  <mc:AlternateContent xmlns:mc="http://schemas.openxmlformats.org/markup-compatibility/2006" xmlns:p14="http://schemas.microsoft.com/office/powerpoint/2010/main">
+    <mc:Choice Requires="p14">
       <p:transition spd="slow" p14:dur="900" advClick="0">
         <p:fade/>
       </p:transition>
     </mc:Choice>
-    <mc:Fallback>
+    <mc:Fallback xmlns="">
       <p:transition xmlns:p14="http://schemas.microsoft.com/office/powerpoint/2010/main" spd="slow" advClick="0">
         <p:fade/>
       </p:transition>
@@ -24165,7 +24522,7 @@
                             </p:stCondLst>
                             <p:childTnLst>
                               <p:par>
-                                <p:cTn id="5" presetID="1" presetClass="entr" presetSubtype="0" fill="hold" nodeType="clickEffect">
+                                <p:cTn id="5" presetID="10" presetClass="entr" presetSubtype="0" fill="hold" nodeType="clickEffect">
                                   <p:stCondLst>
                                     <p:cond delay="0"/>
                                   </p:stCondLst>
@@ -24192,6 +24549,18 @@
                                         <p:strVal val="visible"/>
                                       </p:to>
                                     </p:set>
+                                    <p:animEffect transition="in" filter="fade">
+                                      <p:cBhvr>
+                                        <p:cTn id="7" dur="500"/>
+                                        <p:tgtEl>
+                                          <p:spTgt spid="362499">
+                                            <p:txEl>
+                                              <p:pRg st="1" end="1"/>
+                                            </p:txEl>
+                                          </p:spTgt>
+                                        </p:tgtEl>
+                                      </p:cBhvr>
+                                    </p:animEffect>
                                   </p:childTnLst>
                                 </p:cTn>
                               </p:par>
@@ -24202,26 +24571,26 @@
                     </p:cTn>
                   </p:par>
                   <p:par>
-                    <p:cTn id="7" fill="hold">
+                    <p:cTn id="8" fill="hold">
                       <p:stCondLst>
                         <p:cond delay="indefinite"/>
                       </p:stCondLst>
                       <p:childTnLst>
                         <p:par>
-                          <p:cTn id="8" fill="hold">
+                          <p:cTn id="9" fill="hold">
                             <p:stCondLst>
                               <p:cond delay="0"/>
                             </p:stCondLst>
                             <p:childTnLst>
                               <p:par>
-                                <p:cTn id="9" presetID="1" presetClass="entr" presetSubtype="0" fill="hold" nodeType="clickEffect">
+                                <p:cTn id="10" presetID="10" presetClass="entr" presetSubtype="0" fill="hold" nodeType="clickEffect">
                                   <p:stCondLst>
                                     <p:cond delay="0"/>
                                   </p:stCondLst>
                                   <p:childTnLst>
                                     <p:set>
                                       <p:cBhvr>
-                                        <p:cTn id="10" dur="1" fill="hold">
+                                        <p:cTn id="11" dur="1" fill="hold">
                                           <p:stCondLst>
                                             <p:cond delay="0"/>
                                           </p:stCondLst>
@@ -24241,6 +24610,18 @@
                                         <p:strVal val="visible"/>
                                       </p:to>
                                     </p:set>
+                                    <p:animEffect transition="in" filter="fade">
+                                      <p:cBhvr>
+                                        <p:cTn id="12" dur="500"/>
+                                        <p:tgtEl>
+                                          <p:spTgt spid="362499">
+                                            <p:txEl>
+                                              <p:pRg st="2" end="2"/>
+                                            </p:txEl>
+                                          </p:spTgt>
+                                        </p:tgtEl>
+                                      </p:cBhvr>
+                                    </p:animEffect>
                                   </p:childTnLst>
                                 </p:cTn>
                               </p:par>
@@ -24251,26 +24632,26 @@
                     </p:cTn>
                   </p:par>
                   <p:par>
-                    <p:cTn id="11" fill="hold">
+                    <p:cTn id="13" fill="hold">
                       <p:stCondLst>
                         <p:cond delay="indefinite"/>
                       </p:stCondLst>
                       <p:childTnLst>
                         <p:par>
-                          <p:cTn id="12" fill="hold">
+                          <p:cTn id="14" fill="hold">
                             <p:stCondLst>
                               <p:cond delay="0"/>
                             </p:stCondLst>
                             <p:childTnLst>
                               <p:par>
-                                <p:cTn id="13" presetID="1" presetClass="entr" presetSubtype="0" fill="hold" nodeType="clickEffect">
+                                <p:cTn id="15" presetID="10" presetClass="entr" presetSubtype="0" fill="hold" nodeType="clickEffect">
                                   <p:stCondLst>
                                     <p:cond delay="0"/>
                                   </p:stCondLst>
                                   <p:childTnLst>
                                     <p:set>
                                       <p:cBhvr>
-                                        <p:cTn id="14" dur="1" fill="hold">
+                                        <p:cTn id="16" dur="1" fill="hold">
                                           <p:stCondLst>
                                             <p:cond delay="0"/>
                                           </p:stCondLst>
@@ -24290,6 +24671,18 @@
                                         <p:strVal val="visible"/>
                                       </p:to>
                                     </p:set>
+                                    <p:animEffect transition="in" filter="fade">
+                                      <p:cBhvr>
+                                        <p:cTn id="17" dur="500"/>
+                                        <p:tgtEl>
+                                          <p:spTgt spid="362499">
+                                            <p:txEl>
+                                              <p:pRg st="3" end="3"/>
+                                            </p:txEl>
+                                          </p:spTgt>
+                                        </p:tgtEl>
+                                      </p:cBhvr>
+                                    </p:animEffect>
                                   </p:childTnLst>
                                 </p:cTn>
                               </p:par>
